--- a/Final_Project_Presentation.pptx
+++ b/Final_Project_Presentation.pptx
@@ -5,10 +5,10 @@
     <p:sldMasterId id="2147483648" r:id="rId1"/>
   </p:sldMasterIdLst>
   <p:notesMasterIdLst>
-    <p:notesMasterId r:id="rId22"/>
+    <p:notesMasterId r:id="rId25"/>
   </p:notesMasterIdLst>
   <p:handoutMasterIdLst>
-    <p:handoutMasterId r:id="rId23"/>
+    <p:handoutMasterId r:id="rId26"/>
   </p:handoutMasterIdLst>
   <p:sldIdLst>
     <p:sldId id="256" r:id="rId3"/>
@@ -26,41 +26,44 @@
     <p:sldId id="394" r:id="rId15"/>
     <p:sldId id="395" r:id="rId16"/>
     <p:sldId id="270" r:id="rId17"/>
-    <p:sldId id="396" r:id="rId18"/>
-    <p:sldId id="397" r:id="rId19"/>
-    <p:sldId id="361" r:id="rId20"/>
-    <p:sldId id="364" r:id="rId21"/>
+    <p:sldId id="401" r:id="rId18"/>
+    <p:sldId id="396" r:id="rId19"/>
+    <p:sldId id="402" r:id="rId20"/>
+    <p:sldId id="397" r:id="rId21"/>
+    <p:sldId id="403" r:id="rId22"/>
+    <p:sldId id="361" r:id="rId23"/>
+    <p:sldId id="364" r:id="rId24"/>
   </p:sldIdLst>
   <p:sldSz cx="12192000" cy="6858000"/>
   <p:notesSz cx="6858000" cy="9144000"/>
   <p:embeddedFontLst>
     <p:embeddedFont>
       <p:font typeface="Open Sans" panose="020B0606030504020204" charset="0"/>
-      <p:regular r:id="rId27"/>
-      <p:bold r:id="rId28"/>
+      <p:regular r:id="rId30"/>
+      <p:bold r:id="rId31"/>
     </p:embeddedFont>
     <p:embeddedFont>
       <p:font typeface="Open Sans ExtraBold" panose="020B0906030804020204" charset="0"/>
-      <p:bold r:id="rId29"/>
+      <p:bold r:id="rId32"/>
     </p:embeddedFont>
     <p:embeddedFont>
       <p:font typeface="Wingdings 3" panose="05040102010807070707" charset="2"/>
-      <p:regular r:id="rId30"/>
+      <p:regular r:id="rId33"/>
     </p:embeddedFont>
     <p:embeddedFont>
       <p:font typeface="Trebuchet MS" panose="020B0603020202020204"/>
-      <p:regular r:id="rId31"/>
-      <p:bold r:id="rId32"/>
-      <p:italic r:id="rId33"/>
-      <p:boldItalic r:id="rId34"/>
+      <p:regular r:id="rId34"/>
+      <p:bold r:id="rId35"/>
+      <p:italic r:id="rId36"/>
+      <p:boldItalic r:id="rId37"/>
     </p:embeddedFont>
     <p:embeddedFont>
       <p:font typeface="Roboto" panose="02000000000000000000"/>
-      <p:regular r:id="rId35"/>
+      <p:regular r:id="rId38"/>
     </p:embeddedFont>
   </p:embeddedFontLst>
   <p:custDataLst>
-    <p:tags r:id="rId36"/>
+    <p:tags r:id="rId39"/>
   </p:custDataLst>
   <p:defaultTextStyle>
     <a:defPPr>
@@ -10441,7 +10444,7 @@
         <p:spPr>
           <a:xfrm>
             <a:off x="1323340" y="460375"/>
-            <a:ext cx="4064000" cy="368300"/>
+            <a:ext cx="9669145" cy="368300"/>
           </a:xfrm>
           <a:prstGeom prst="rect">
             <a:avLst/>
@@ -10454,17 +10457,21 @@
           </a:bodyPr>
           <a:lstStyle/>
           <a:p>
+            <a:pPr marL="285750" indent="-285750">
+              <a:buFont typeface="Arial" panose="020B0604020202020204" pitchFamily="34" charset="0"/>
+              <a:buChar char="•"/>
+            </a:pPr>
             <a:r>
-              <a:rPr lang="en-US" b="1"/>
-              <a:t>2.Decision Tree Algorithm :-</a:t>
+              <a:rPr lang="en-US"/>
+              <a:t>Classification Report for Logistic Regression model :</a:t>
             </a:r>
-            <a:endParaRPr lang="en-US" b="1"/>
+            <a:endParaRPr lang="en-US"/>
           </a:p>
         </p:txBody>
       </p:sp>
       <p:pic>
         <p:nvPicPr>
-          <p:cNvPr id="23" name="Picture 23" descr="17"/>
+          <p:cNvPr id="4" name="Picture 3" descr="lr"/>
           <p:cNvPicPr>
             <a:picLocks noChangeAspect="1"/>
           </p:cNvPicPr>
@@ -10478,56 +10485,8 @@
         </p:blipFill>
         <p:spPr>
           <a:xfrm>
-            <a:off x="1323023" y="1498600"/>
-            <a:ext cx="4143375" cy="2743200"/>
-          </a:xfrm>
-          <a:prstGeom prst="rect">
-            <a:avLst/>
-          </a:prstGeom>
-        </p:spPr>
-      </p:pic>
-      <p:pic>
-        <p:nvPicPr>
-          <p:cNvPr id="24" name="Picture 24" descr="18"/>
-          <p:cNvPicPr>
-            <a:picLocks noChangeAspect="1"/>
-          </p:cNvPicPr>
-          <p:nvPr/>
-        </p:nvPicPr>
-        <p:blipFill>
-          <a:blip r:embed="rId2"/>
-          <a:stretch>
-            <a:fillRect/>
-          </a:stretch>
-        </p:blipFill>
-        <p:spPr>
-          <a:xfrm>
-            <a:off x="1323340" y="4373563"/>
-            <a:ext cx="5274310" cy="650875"/>
-          </a:xfrm>
-          <a:prstGeom prst="rect">
-            <a:avLst/>
-          </a:prstGeom>
-        </p:spPr>
-      </p:pic>
-      <p:pic>
-        <p:nvPicPr>
-          <p:cNvPr id="25" name="Picture 25" descr="19"/>
-          <p:cNvPicPr>
-            <a:picLocks noChangeAspect="1"/>
-          </p:cNvPicPr>
-          <p:nvPr/>
-        </p:nvPicPr>
-        <p:blipFill>
-          <a:blip r:embed="rId3"/>
-          <a:stretch>
-            <a:fillRect/>
-          </a:stretch>
-        </p:blipFill>
-        <p:spPr>
-          <a:xfrm>
-            <a:off x="6597650" y="1263650"/>
-            <a:ext cx="4165600" cy="3213735"/>
+            <a:off x="1747520" y="1130300"/>
+            <a:ext cx="6477000" cy="4025900"/>
           </a:xfrm>
           <a:prstGeom prst="rect">
             <a:avLst/>
@@ -10827,7 +10786,7 @@
           <a:p>
             <a:r>
               <a:rPr lang="en-US" b="1"/>
-              <a:t>3.Random Forest Algorithm :-</a:t>
+              <a:t>2.Decision Tree Algorithm :-</a:t>
             </a:r>
             <a:endParaRPr lang="en-US" b="1"/>
           </a:p>
@@ -10835,7 +10794,7 @@
       </p:sp>
       <p:pic>
         <p:nvPicPr>
-          <p:cNvPr id="20" name="Picture 20" descr="14"/>
+          <p:cNvPr id="23" name="Picture 23" descr="17"/>
           <p:cNvPicPr>
             <a:picLocks noChangeAspect="1"/>
           </p:cNvPicPr>
@@ -10849,8 +10808,8 @@
         </p:blipFill>
         <p:spPr>
           <a:xfrm>
-            <a:off x="1323340" y="1225550"/>
-            <a:ext cx="5269865" cy="3279140"/>
+            <a:off x="1323023" y="1498600"/>
+            <a:ext cx="4143375" cy="2743200"/>
           </a:xfrm>
           <a:prstGeom prst="rect">
             <a:avLst/>
@@ -10859,7 +10818,7 @@
       </p:pic>
       <p:pic>
         <p:nvPicPr>
-          <p:cNvPr id="21" name="Picture 21" descr="15"/>
+          <p:cNvPr id="24" name="Picture 24" descr="18"/>
           <p:cNvPicPr>
             <a:picLocks noChangeAspect="1"/>
           </p:cNvPicPr>
@@ -10873,8 +10832,32 @@
         </p:blipFill>
         <p:spPr>
           <a:xfrm>
-            <a:off x="6702425" y="1225550"/>
-            <a:ext cx="4417695" cy="3279140"/>
+            <a:off x="1323340" y="4373563"/>
+            <a:ext cx="5274310" cy="650875"/>
+          </a:xfrm>
+          <a:prstGeom prst="rect">
+            <a:avLst/>
+          </a:prstGeom>
+        </p:spPr>
+      </p:pic>
+      <p:pic>
+        <p:nvPicPr>
+          <p:cNvPr id="25" name="Picture 25" descr="19"/>
+          <p:cNvPicPr>
+            <a:picLocks noChangeAspect="1"/>
+          </p:cNvPicPr>
+          <p:nvPr/>
+        </p:nvPicPr>
+        <p:blipFill>
+          <a:blip r:embed="rId3"/>
+          <a:stretch>
+            <a:fillRect/>
+          </a:stretch>
+        </p:blipFill>
+        <p:spPr>
+          <a:xfrm>
+            <a:off x="6597650" y="1263650"/>
+            <a:ext cx="4165600" cy="3213735"/>
           </a:xfrm>
           <a:prstGeom prst="rect">
             <a:avLst/>
@@ -10913,9 +10896,9 @@
           <p:nvPr/>
         </p:nvSpPr>
         <p:spPr>
-          <a:xfrm>
-            <a:off x="18415" y="4726940"/>
-            <a:ext cx="3385820" cy="2114550"/>
+          <a:xfrm flipH="1">
+            <a:off x="7395845" y="3796030"/>
+            <a:ext cx="4903470" cy="3061970"/>
           </a:xfrm>
           <a:custGeom>
             <a:avLst/>
@@ -10961,7 +10944,60 @@
             </a:pathLst>
           </a:custGeom>
           <a:solidFill>
-            <a:srgbClr val="FFF6DB"/>
+            <a:schemeClr val="bg1">
+              <a:lumMod val="95000"/>
+              <a:alpha val="50000"/>
+            </a:schemeClr>
+          </a:solidFill>
+          <a:ln>
+            <a:noFill/>
+          </a:ln>
+        </p:spPr>
+        <p:style>
+          <a:lnRef idx="2">
+            <a:schemeClr val="accent1">
+              <a:shade val="50000"/>
+            </a:schemeClr>
+          </a:lnRef>
+          <a:fillRef idx="1">
+            <a:schemeClr val="accent1"/>
+          </a:fillRef>
+          <a:effectRef idx="0">
+            <a:schemeClr val="accent1"/>
+          </a:effectRef>
+          <a:fontRef idx="minor">
+            <a:schemeClr val="lt1"/>
+          </a:fontRef>
+        </p:style>
+        <p:txBody>
+          <a:bodyPr wrap="square" rtlCol="0" anchor="ctr">
+            <a:noAutofit/>
+          </a:bodyPr>
+          <a:lstStyle/>
+          <a:p>
+            <a:pPr algn="ctr"/>
+            <a:endParaRPr lang="zh-CN" altLang="en-US">
+              <a:cs typeface="Open Sans" panose="020B0606030504020204" charset="0"/>
+            </a:endParaRPr>
+          </a:p>
+        </p:txBody>
+      </p:sp>
+      <p:sp>
+        <p:nvSpPr>
+          <p:cNvPr id="2" name="菱形 1"/>
+          <p:cNvSpPr/>
+          <p:nvPr/>
+        </p:nvSpPr>
+        <p:spPr>
+          <a:xfrm>
+            <a:off x="36830" y="-149225"/>
+            <a:ext cx="704850" cy="704850"/>
+          </a:xfrm>
+          <a:prstGeom prst="diamond">
+            <a:avLst/>
+          </a:prstGeom>
+          <a:solidFill>
+            <a:srgbClr val="92D14F"/>
           </a:solidFill>
           <a:ln>
             <a:noFill/>
@@ -11003,488 +11039,14 @@
       </p:sp>
       <p:sp>
         <p:nvSpPr>
-          <p:cNvPr id="5" name="任意多边形 4"/>
+          <p:cNvPr id="3" name="菱形 2"/>
           <p:cNvSpPr/>
           <p:nvPr/>
         </p:nvSpPr>
         <p:spPr>
           <a:xfrm>
-            <a:off x="11398885" y="1670050"/>
-            <a:ext cx="801370" cy="1490980"/>
-          </a:xfrm>
-          <a:custGeom>
-            <a:avLst/>
-            <a:gdLst>
-              <a:gd name="ir" fmla="*/ w 3 4"/>
-              <a:gd name="ib" fmla="*/ h 3 4"/>
-            </a:gdLst>
-            <a:ahLst/>
-            <a:cxnLst>
-              <a:cxn ang="3">
-                <a:pos x="hc" y="t"/>
-              </a:cxn>
-              <a:cxn ang="cd2">
-                <a:pos x="l" y="vc"/>
-              </a:cxn>
-              <a:cxn ang="cd4">
-                <a:pos x="hc" y="b"/>
-              </a:cxn>
-              <a:cxn ang="0">
-                <a:pos x="r" y="vc"/>
-              </a:cxn>
-            </a:cxnLst>
-            <a:rect l="l" t="t" r="r" b="b"/>
-            <a:pathLst>
-              <a:path w="1262" h="2348">
-                <a:moveTo>
-                  <a:pt x="1174" y="0"/>
-                </a:moveTo>
-                <a:lnTo>
-                  <a:pt x="1262" y="88"/>
-                </a:lnTo>
-                <a:lnTo>
-                  <a:pt x="1262" y="2260"/>
-                </a:lnTo>
-                <a:lnTo>
-                  <a:pt x="1174" y="2348"/>
-                </a:lnTo>
-                <a:lnTo>
-                  <a:pt x="0" y="1174"/>
-                </a:lnTo>
-                <a:lnTo>
-                  <a:pt x="1174" y="0"/>
-                </a:lnTo>
-                <a:close/>
-              </a:path>
-            </a:pathLst>
-          </a:custGeom>
-          <a:solidFill>
-            <a:srgbClr val="C5E6A0"/>
-          </a:solidFill>
-          <a:ln>
-            <a:noFill/>
-          </a:ln>
-        </p:spPr>
-        <p:style>
-          <a:lnRef idx="2">
-            <a:schemeClr val="accent1">
-              <a:shade val="50000"/>
-            </a:schemeClr>
-          </a:lnRef>
-          <a:fillRef idx="1">
-            <a:schemeClr val="accent1"/>
-          </a:fillRef>
-          <a:effectRef idx="0">
-            <a:schemeClr val="accent1"/>
-          </a:effectRef>
-          <a:fontRef idx="minor">
-            <a:schemeClr val="lt1"/>
-          </a:fontRef>
-        </p:style>
-        <p:txBody>
-          <a:bodyPr vertOverflow="overflow" horzOverflow="overflow" vert="horz" wrap="square" numCol="1" spcCol="0" rtlCol="0" fromWordArt="0" anchor="ctr" anchorCtr="0" forceAA="0" compatLnSpc="1">
-            <a:noAutofit/>
-          </a:bodyPr>
-          <a:lstStyle/>
-          <a:p>
-            <a:pPr lvl="0" algn="ctr">
-              <a:buClrTx/>
-              <a:buSzTx/>
-              <a:buFontTx/>
-            </a:pPr>
-            <a:endParaRPr lang="zh-CN" altLang="en-US">
-              <a:cs typeface="Open Sans" panose="020B0606030504020204" charset="0"/>
-              <a:sym typeface="+mn-ea"/>
-            </a:endParaRPr>
-          </a:p>
-        </p:txBody>
-      </p:sp>
-      <p:sp>
-        <p:nvSpPr>
-          <p:cNvPr id="6" name="任意多边形 5"/>
-          <p:cNvSpPr/>
-          <p:nvPr/>
-        </p:nvSpPr>
-        <p:spPr>
-          <a:xfrm>
-            <a:off x="-1270" y="4298950"/>
-            <a:ext cx="1249045" cy="2498090"/>
-          </a:xfrm>
-          <a:custGeom>
-            <a:avLst/>
-            <a:gdLst>
-              <a:gd name="ir" fmla="*/ w 3 4"/>
-              <a:gd name="ib" fmla="*/ h 3 4"/>
-            </a:gdLst>
-            <a:ahLst/>
-            <a:cxnLst>
-              <a:cxn ang="3">
-                <a:pos x="hc" y="t"/>
-              </a:cxn>
-              <a:cxn ang="cd2">
-                <a:pos x="l" y="vc"/>
-              </a:cxn>
-              <a:cxn ang="cd4">
-                <a:pos x="hc" y="b"/>
-              </a:cxn>
-              <a:cxn ang="0">
-                <a:pos x="r" y="vc"/>
-              </a:cxn>
-            </a:cxnLst>
-            <a:rect l="l" t="t" r="r" b="b"/>
-            <a:pathLst>
-              <a:path w="1967" h="3934">
-                <a:moveTo>
-                  <a:pt x="0" y="0"/>
-                </a:moveTo>
-                <a:lnTo>
-                  <a:pt x="1967" y="1967"/>
-                </a:lnTo>
-                <a:lnTo>
-                  <a:pt x="0" y="3934"/>
-                </a:lnTo>
-                <a:lnTo>
-                  <a:pt x="0" y="0"/>
-                </a:lnTo>
-                <a:close/>
-              </a:path>
-            </a:pathLst>
-          </a:custGeom>
-          <a:solidFill>
-            <a:srgbClr val="92D14F"/>
-          </a:solidFill>
-          <a:ln>
-            <a:noFill/>
-          </a:ln>
-        </p:spPr>
-        <p:style>
-          <a:lnRef idx="2">
-            <a:schemeClr val="accent1">
-              <a:shade val="50000"/>
-            </a:schemeClr>
-          </a:lnRef>
-          <a:fillRef idx="1">
-            <a:schemeClr val="accent1"/>
-          </a:fillRef>
-          <a:effectRef idx="0">
-            <a:schemeClr val="accent1"/>
-          </a:effectRef>
-          <a:fontRef idx="minor">
-            <a:schemeClr val="lt1"/>
-          </a:fontRef>
-        </p:style>
-        <p:txBody>
-          <a:bodyPr wrap="square" rtlCol="0" anchor="ctr">
-            <a:noAutofit/>
-          </a:bodyPr>
-          <a:lstStyle/>
-          <a:p>
-            <a:pPr algn="ctr"/>
-            <a:endParaRPr lang="zh-CN" altLang="en-US">
-              <a:cs typeface="Open Sans" panose="020B0606030504020204" charset="0"/>
-            </a:endParaRPr>
-          </a:p>
-        </p:txBody>
-      </p:sp>
-      <p:sp>
-        <p:nvSpPr>
-          <p:cNvPr id="7" name="任意多边形 6"/>
-          <p:cNvSpPr/>
-          <p:nvPr/>
-        </p:nvSpPr>
-        <p:spPr>
-          <a:xfrm>
-            <a:off x="2812415" y="6165215"/>
-            <a:ext cx="1383030" cy="691515"/>
-          </a:xfrm>
-          <a:custGeom>
-            <a:avLst/>
-            <a:gdLst>
-              <a:gd name="ir" fmla="*/ w 3 4"/>
-              <a:gd name="ib" fmla="*/ h 3 4"/>
-            </a:gdLst>
-            <a:ahLst/>
-            <a:cxnLst>
-              <a:cxn ang="3">
-                <a:pos x="hc" y="t"/>
-              </a:cxn>
-              <a:cxn ang="cd2">
-                <a:pos x="l" y="vc"/>
-              </a:cxn>
-              <a:cxn ang="cd4">
-                <a:pos x="hc" y="b"/>
-              </a:cxn>
-              <a:cxn ang="0">
-                <a:pos x="r" y="vc"/>
-              </a:cxn>
-            </a:cxnLst>
-            <a:rect l="l" t="t" r="r" b="b"/>
-            <a:pathLst>
-              <a:path w="2178" h="1089">
-                <a:moveTo>
-                  <a:pt x="1089" y="0"/>
-                </a:moveTo>
-                <a:lnTo>
-                  <a:pt x="2178" y="1089"/>
-                </a:lnTo>
-                <a:lnTo>
-                  <a:pt x="0" y="1089"/>
-                </a:lnTo>
-                <a:lnTo>
-                  <a:pt x="1089" y="0"/>
-                </a:lnTo>
-                <a:close/>
-              </a:path>
-            </a:pathLst>
-          </a:custGeom>
-          <a:solidFill>
-            <a:srgbClr val="F3FAEB"/>
-          </a:solidFill>
-          <a:ln>
-            <a:noFill/>
-          </a:ln>
-        </p:spPr>
-        <p:style>
-          <a:lnRef idx="2">
-            <a:schemeClr val="accent1">
-              <a:shade val="50000"/>
-            </a:schemeClr>
-          </a:lnRef>
-          <a:fillRef idx="1">
-            <a:schemeClr val="accent1"/>
-          </a:fillRef>
-          <a:effectRef idx="0">
-            <a:schemeClr val="accent1"/>
-          </a:effectRef>
-          <a:fontRef idx="minor">
-            <a:schemeClr val="lt1"/>
-          </a:fontRef>
-        </p:style>
-        <p:txBody>
-          <a:bodyPr wrap="square" rtlCol="0" anchor="ctr">
-            <a:noAutofit/>
-          </a:bodyPr>
-          <a:lstStyle/>
-          <a:p>
-            <a:pPr algn="ctr"/>
-            <a:endParaRPr lang="zh-CN" altLang="en-US">
-              <a:cs typeface="Open Sans" panose="020B0606030504020204" charset="0"/>
-            </a:endParaRPr>
-          </a:p>
-        </p:txBody>
-      </p:sp>
-      <p:sp>
-        <p:nvSpPr>
-          <p:cNvPr id="8" name="任意多边形 7"/>
-          <p:cNvSpPr/>
-          <p:nvPr/>
-        </p:nvSpPr>
-        <p:spPr>
-          <a:xfrm>
-            <a:off x="10466705" y="-6985"/>
-            <a:ext cx="1729105" cy="1854835"/>
-          </a:xfrm>
-          <a:custGeom>
-            <a:avLst/>
-            <a:gdLst>
-              <a:gd name="ir" fmla="*/ w 3 4"/>
-              <a:gd name="ib" fmla="*/ h 3 4"/>
-            </a:gdLst>
-            <a:ahLst/>
-            <a:cxnLst>
-              <a:cxn ang="3">
-                <a:pos x="hc" y="t"/>
-              </a:cxn>
-              <a:cxn ang="cd2">
-                <a:pos x="l" y="vc"/>
-              </a:cxn>
-              <a:cxn ang="cd4">
-                <a:pos x="hc" y="b"/>
-              </a:cxn>
-              <a:cxn ang="0">
-                <a:pos x="r" y="vc"/>
-              </a:cxn>
-            </a:cxnLst>
-            <a:rect l="l" t="t" r="r" b="b"/>
-            <a:pathLst>
-              <a:path w="2723" h="2921">
-                <a:moveTo>
-                  <a:pt x="1101" y="0"/>
-                </a:moveTo>
-                <a:lnTo>
-                  <a:pt x="2539" y="0"/>
-                </a:lnTo>
-                <a:lnTo>
-                  <a:pt x="2723" y="184"/>
-                </a:lnTo>
-                <a:lnTo>
-                  <a:pt x="2723" y="2018"/>
-                </a:lnTo>
-                <a:lnTo>
-                  <a:pt x="1820" y="2921"/>
-                </a:lnTo>
-                <a:lnTo>
-                  <a:pt x="0" y="1101"/>
-                </a:lnTo>
-                <a:lnTo>
-                  <a:pt x="1101" y="0"/>
-                </a:lnTo>
-                <a:close/>
-              </a:path>
-            </a:pathLst>
-          </a:custGeom>
-          <a:solidFill>
-            <a:srgbClr val="FFF6DB"/>
-          </a:solidFill>
-          <a:ln>
-            <a:noFill/>
-          </a:ln>
-        </p:spPr>
-        <p:style>
-          <a:lnRef idx="2">
-            <a:schemeClr val="accent1">
-              <a:shade val="50000"/>
-            </a:schemeClr>
-          </a:lnRef>
-          <a:fillRef idx="1">
-            <a:schemeClr val="accent1"/>
-          </a:fillRef>
-          <a:effectRef idx="0">
-            <a:schemeClr val="accent1"/>
-          </a:effectRef>
-          <a:fontRef idx="minor">
-            <a:schemeClr val="lt1"/>
-          </a:fontRef>
-        </p:style>
-        <p:txBody>
-          <a:bodyPr wrap="square" rtlCol="0" anchor="ctr">
-            <a:noAutofit/>
-          </a:bodyPr>
-          <a:lstStyle/>
-          <a:p>
-            <a:pPr algn="ctr"/>
-            <a:endParaRPr lang="zh-CN" altLang="en-US">
-              <a:cs typeface="Open Sans" panose="020B0606030504020204" charset="0"/>
-            </a:endParaRPr>
-          </a:p>
-        </p:txBody>
-      </p:sp>
-      <p:sp>
-        <p:nvSpPr>
-          <p:cNvPr id="15" name="任意多边形 14"/>
-          <p:cNvSpPr/>
-          <p:nvPr/>
-        </p:nvSpPr>
-        <p:spPr>
-          <a:xfrm flipH="1" flipV="1">
-            <a:off x="-64770" y="-29210"/>
-            <a:ext cx="2449830" cy="1202055"/>
-          </a:xfrm>
-          <a:custGeom>
-            <a:avLst/>
-            <a:gdLst>
-              <a:gd name="adj" fmla="val 50000"/>
-              <a:gd name="a" fmla="pin 0 adj 100000"/>
-              <a:gd name="x1" fmla="*/ w a 200000"/>
-              <a:gd name="x2" fmla="*/ w a 100000"/>
-              <a:gd name="x3" fmla="+- x1 wd2 0"/>
-            </a:gdLst>
-            <a:ahLst/>
-            <a:cxnLst>
-              <a:cxn ang="3">
-                <a:pos x="x2" y="t"/>
-              </a:cxn>
-              <a:cxn ang="cd2">
-                <a:pos x="x1" y="vc"/>
-              </a:cxn>
-              <a:cxn ang="cd4">
-                <a:pos x="l" y="b"/>
-              </a:cxn>
-              <a:cxn ang="cd4">
-                <a:pos x="x2" y="b"/>
-              </a:cxn>
-              <a:cxn ang="cd4">
-                <a:pos x="r" y="b"/>
-              </a:cxn>
-              <a:cxn ang="0">
-                <a:pos x="x3" y="vc"/>
-              </a:cxn>
-            </a:cxnLst>
-            <a:rect l="l" t="t" r="r" b="b"/>
-            <a:pathLst>
-              <a:path w="6791" h="3333">
-                <a:moveTo>
-                  <a:pt x="3702" y="0"/>
-                </a:moveTo>
-                <a:lnTo>
-                  <a:pt x="6791" y="2781"/>
-                </a:lnTo>
-                <a:lnTo>
-                  <a:pt x="6791" y="3333"/>
-                </a:lnTo>
-                <a:lnTo>
-                  <a:pt x="0" y="3333"/>
-                </a:lnTo>
-                <a:lnTo>
-                  <a:pt x="3702" y="0"/>
-                </a:lnTo>
-                <a:close/>
-              </a:path>
-            </a:pathLst>
-          </a:custGeom>
-          <a:solidFill>
-            <a:srgbClr val="C5E6A0">
-              <a:alpha val="21000"/>
-            </a:srgbClr>
-          </a:solidFill>
-          <a:ln>
-            <a:noFill/>
-          </a:ln>
-        </p:spPr>
-        <p:style>
-          <a:lnRef idx="2">
-            <a:schemeClr val="accent1">
-              <a:shade val="50000"/>
-            </a:schemeClr>
-          </a:lnRef>
-          <a:fillRef idx="1">
-            <a:schemeClr val="accent1"/>
-          </a:fillRef>
-          <a:effectRef idx="0">
-            <a:schemeClr val="accent1"/>
-          </a:effectRef>
-          <a:fontRef idx="minor">
-            <a:schemeClr val="lt1"/>
-          </a:fontRef>
-        </p:style>
-        <p:txBody>
-          <a:bodyPr vertOverflow="overflow" horzOverflow="overflow" vert="horz" wrap="square" numCol="1" spcCol="0" rtlCol="0" fromWordArt="0" anchor="ctr" anchorCtr="0" forceAA="0" compatLnSpc="1">
-            <a:noAutofit/>
-          </a:bodyPr>
-          <a:lstStyle/>
-          <a:p>
-            <a:pPr lvl="0" algn="ctr">
-              <a:buClrTx/>
-              <a:buSzTx/>
-              <a:buFontTx/>
-            </a:pPr>
-            <a:endParaRPr lang="zh-CN" altLang="en-US">
-              <a:cs typeface="Open Sans" panose="020B0606030504020204" charset="0"/>
-              <a:sym typeface="+mn-ea"/>
-            </a:endParaRPr>
-          </a:p>
-        </p:txBody>
-      </p:sp>
-      <p:sp>
-        <p:nvSpPr>
-          <p:cNvPr id="44" name="菱形 43"/>
-          <p:cNvSpPr/>
-          <p:nvPr/>
-        </p:nvSpPr>
-        <p:spPr>
-          <a:xfrm>
-            <a:off x="10903585" y="1010920"/>
-            <a:ext cx="532130" cy="532130"/>
+            <a:off x="71120" y="460375"/>
+            <a:ext cx="229235" cy="229235"/>
           </a:xfrm>
           <a:prstGeom prst="diamond">
             <a:avLst/>
@@ -11525,20 +11087,20 @@
       </p:sp>
       <p:sp>
         <p:nvSpPr>
-          <p:cNvPr id="3" name="菱形 2"/>
+          <p:cNvPr id="36" name="矩形 35"/>
           <p:cNvSpPr/>
           <p:nvPr/>
         </p:nvSpPr>
         <p:spPr>
           <a:xfrm>
-            <a:off x="2223770" y="5633085"/>
-            <a:ext cx="516890" cy="516890"/>
-          </a:xfrm>
-          <a:prstGeom prst="diamond">
+            <a:off x="10993120" y="5641975"/>
+            <a:ext cx="321310" cy="321310"/>
+          </a:xfrm>
+          <a:prstGeom prst="rect">
             <a:avLst/>
           </a:prstGeom>
           <a:solidFill>
-            <a:srgbClr val="7BC032"/>
+            <a:srgbClr val="FFD04F"/>
           </a:solidFill>
           <a:ln>
             <a:noFill/>
@@ -11573,88 +11135,14 @@
       </p:sp>
       <p:sp>
         <p:nvSpPr>
-          <p:cNvPr id="2" name="矩形 7"/>
-          <p:cNvSpPr/>
-          <p:nvPr/>
-        </p:nvSpPr>
-        <p:spPr>
-          <a:xfrm>
-            <a:off x="-635" y="2540"/>
-            <a:ext cx="12192635" cy="1160145"/>
-          </a:xfrm>
-          <a:prstGeom prst="rect">
-            <a:avLst/>
-          </a:prstGeom>
-          <a:solidFill>
-            <a:srgbClr val="FFD04F"/>
-          </a:solidFill>
-          <a:ln>
-            <a:noFill/>
-          </a:ln>
-        </p:spPr>
-        <p:style>
-          <a:lnRef idx="2">
-            <a:schemeClr val="accent1">
-              <a:shade val="50000"/>
-            </a:schemeClr>
-          </a:lnRef>
-          <a:fillRef idx="1">
-            <a:schemeClr val="accent1"/>
-          </a:fillRef>
-          <a:effectRef idx="0">
-            <a:schemeClr val="accent1"/>
-          </a:effectRef>
-          <a:fontRef idx="minor">
-            <a:schemeClr val="lt1"/>
-          </a:fontRef>
-        </p:style>
-        <p:txBody>
-          <a:bodyPr rtlCol="0" anchor="ctr"/>
-          <a:lstStyle/>
-          <a:p>
-            <a:pPr marL="1371600" lvl="3" indent="457200" algn="l"/>
-            <a:r>
-              <a:rPr lang="en-US" altLang="zh-CN" sz="2800" b="1" u="sng">
-                <a:solidFill>
-                  <a:schemeClr val="tx1"/>
-                </a:solidFill>
-                <a:effectLst>
-                  <a:outerShdw blurRad="38100" dist="19050" dir="2700000" algn="tl" rotWithShape="0">
-                    <a:schemeClr val="dk1">
-                      <a:alpha val="40000"/>
-                    </a:schemeClr>
-                  </a:outerShdw>
-                </a:effectLst>
-                <a:cs typeface="Open Sans" panose="020B0606030504020204" charset="0"/>
-              </a:rPr>
-              <a:t>CONCLUSION</a:t>
-            </a:r>
-            <a:endParaRPr lang="en-US" altLang="zh-CN" sz="2800" b="1" u="sng">
-              <a:solidFill>
-                <a:schemeClr val="tx1"/>
-              </a:solidFill>
-              <a:effectLst>
-                <a:outerShdw blurRad="38100" dist="19050" dir="2700000" algn="tl" rotWithShape="0">
-                  <a:schemeClr val="dk1">
-                    <a:alpha val="40000"/>
-                  </a:schemeClr>
-                </a:outerShdw>
-              </a:effectLst>
-              <a:cs typeface="Open Sans" panose="020B0606030504020204" charset="0"/>
-            </a:endParaRPr>
-          </a:p>
-        </p:txBody>
-      </p:sp>
-      <p:sp>
-        <p:nvSpPr>
-          <p:cNvPr id="4" name="Text Box 3"/>
+          <p:cNvPr id="11" name="Text Box 10"/>
           <p:cNvSpPr txBox="1"/>
           <p:nvPr/>
         </p:nvSpPr>
         <p:spPr>
           <a:xfrm>
-            <a:off x="1247775" y="1543050"/>
-            <a:ext cx="9841865" cy="4523105"/>
+            <a:off x="1323340" y="460375"/>
+            <a:ext cx="9669145" cy="368300"/>
           </a:xfrm>
           <a:prstGeom prst="rect">
             <a:avLst/>
@@ -11672,139 +11160,37 @@
               <a:buChar char="•"/>
             </a:pPr>
             <a:r>
-              <a:rPr lang="en-US" sz="1600"/>
-              <a:t>Within the scope of the project, we first made the data set ready for Exploratory Data Analysis(EDA)</a:t>
+              <a:rPr lang="en-US"/>
+              <a:t>Classification Report for Decision Tree model :</a:t>
             </a:r>
-            <a:endParaRPr lang="en-US" sz="1600"/>
-          </a:p>
-          <a:p>
-            <a:pPr indent="0">
-              <a:buFont typeface="Arial" panose="020B0604020202020204" pitchFamily="34" charset="0"/>
-              <a:buNone/>
-            </a:pPr>
-            <a:endParaRPr lang="en-US" sz="1600"/>
-          </a:p>
-          <a:p>
-            <a:pPr marL="285750" indent="-285750">
-              <a:buFont typeface="Arial" panose="020B0604020202020204" pitchFamily="34" charset="0"/>
-              <a:buChar char="•"/>
-            </a:pPr>
-            <a:r>
-              <a:rPr lang="en-US" sz="1600"/>
-              <a:t>We analyzed numerical and categorical variables within the scope of univariate analysis by using Distplot and Pie Chart graphics.</a:t>
-            </a:r>
-            <a:endParaRPr lang="en-US" sz="1600"/>
-          </a:p>
-          <a:p>
-            <a:pPr indent="0">
-              <a:buFont typeface="Arial" panose="020B0604020202020204" pitchFamily="34" charset="0"/>
-              <a:buNone/>
-            </a:pPr>
-            <a:endParaRPr lang="en-US" sz="1600"/>
-          </a:p>
-          <a:p>
-            <a:pPr marL="285750" indent="-285750">
-              <a:buFont typeface="Arial" panose="020B0604020202020204" pitchFamily="34" charset="0"/>
-              <a:buChar char="•"/>
-            </a:pPr>
-            <a:r>
-              <a:rPr lang="en-US" sz="1600"/>
-              <a:t>We made the data set ready for the model. In this context, we struggled with missing and outlier values.</a:t>
-            </a:r>
-            <a:endParaRPr lang="en-US" sz="1600"/>
-          </a:p>
-          <a:p>
-            <a:pPr indent="0">
-              <a:buFont typeface="Arial" panose="020B0604020202020204" pitchFamily="34" charset="0"/>
-              <a:buNone/>
-            </a:pPr>
-            <a:endParaRPr lang="en-US" sz="1600"/>
-          </a:p>
-          <a:p>
-            <a:pPr marL="285750" indent="-285750">
-              <a:buFont typeface="Arial" panose="020B0604020202020204" pitchFamily="34" charset="0"/>
-              <a:buChar char="•"/>
-            </a:pPr>
-            <a:r>
-              <a:rPr lang="en-US" sz="1600"/>
-              <a:t>We used three different algorithms in the model phase.</a:t>
-            </a:r>
-            <a:endParaRPr lang="en-US" sz="1600"/>
-          </a:p>
-          <a:p>
-            <a:pPr indent="0">
-              <a:buFont typeface="Arial" panose="020B0604020202020204" pitchFamily="34" charset="0"/>
-              <a:buNone/>
-            </a:pPr>
-            <a:endParaRPr lang="en-US" sz="1600"/>
-          </a:p>
-          <a:p>
-            <a:pPr marL="285750" indent="-285750">
-              <a:buFont typeface="Arial" panose="020B0604020202020204" pitchFamily="34" charset="0"/>
-              <a:buChar char="•"/>
-            </a:pPr>
-            <a:r>
-              <a:rPr lang="en-US" sz="1600"/>
-              <a:t>We got 87% accuracy and 94% AUC with the Logistic Regression model.</a:t>
-            </a:r>
-            <a:endParaRPr lang="en-US" sz="1600"/>
-          </a:p>
-          <a:p>
-            <a:pPr indent="0">
-              <a:buFont typeface="Arial" panose="020B0604020202020204" pitchFamily="34" charset="0"/>
-              <a:buNone/>
-            </a:pPr>
-            <a:endParaRPr lang="en-US" sz="1600"/>
-          </a:p>
-          <a:p>
-            <a:pPr marL="285750" indent="-285750">
-              <a:buFont typeface="Arial" panose="020B0604020202020204" pitchFamily="34" charset="0"/>
-              <a:buChar char="•"/>
-            </a:pPr>
-            <a:r>
-              <a:rPr lang="en-US" sz="1600"/>
-              <a:t>We got 85% accuracy and 85% AUC with the Decision Tree Model.</a:t>
-            </a:r>
-            <a:endParaRPr lang="en-US" sz="1600"/>
-          </a:p>
-          <a:p>
-            <a:pPr indent="0">
-              <a:buFont typeface="Arial" panose="020B0604020202020204" pitchFamily="34" charset="0"/>
-              <a:buNone/>
-            </a:pPr>
-            <a:endParaRPr lang="en-US" sz="1600"/>
-          </a:p>
-          <a:p>
-            <a:pPr marL="285750" indent="-285750">
-              <a:buFont typeface="Arial" panose="020B0604020202020204" pitchFamily="34" charset="0"/>
-              <a:buChar char="•"/>
-            </a:pPr>
-            <a:r>
-              <a:rPr lang="en-US" sz="1600"/>
-              <a:t>And we got 89% accuracy and 95% AUC with the Random Forest Classifier Model.</a:t>
-            </a:r>
-            <a:endParaRPr lang="en-US" sz="1600"/>
-          </a:p>
-          <a:p>
-            <a:pPr indent="0">
-              <a:buFont typeface="Arial" panose="020B0604020202020204" pitchFamily="34" charset="0"/>
-              <a:buNone/>
-            </a:pPr>
-            <a:endParaRPr lang="en-US" sz="1600"/>
-          </a:p>
-          <a:p>
-            <a:pPr marL="285750" indent="-285750">
-              <a:buFont typeface="Arial" panose="020B0604020202020204" pitchFamily="34" charset="0"/>
-              <a:buChar char="•"/>
-            </a:pPr>
-            <a:r>
-              <a:rPr lang="en-US" sz="1600"/>
-              <a:t>When all these model outputs are evaluated, we prefer the model we created with the Random Forest Algorithm, which gives the best results.</a:t>
-            </a:r>
-            <a:endParaRPr lang="en-US" sz="1600"/>
+            <a:endParaRPr lang="en-US"/>
           </a:p>
         </p:txBody>
       </p:sp>
+      <p:pic>
+        <p:nvPicPr>
+          <p:cNvPr id="5" name="Picture 4" descr="dec"/>
+          <p:cNvPicPr>
+            <a:picLocks noChangeAspect="1"/>
+          </p:cNvPicPr>
+          <p:nvPr/>
+        </p:nvPicPr>
+        <p:blipFill>
+          <a:blip r:embed="rId1"/>
+          <a:stretch>
+            <a:fillRect/>
+          </a:stretch>
+        </p:blipFill>
+        <p:spPr>
+          <a:xfrm>
+            <a:off x="2012950" y="1282700"/>
+            <a:ext cx="5816600" cy="3698240"/>
+          </a:xfrm>
+          <a:prstGeom prst="rect">
+            <a:avLst/>
+          </a:prstGeom>
+        </p:spPr>
+      </p:pic>
     </p:spTree>
   </p:cSld>
   <p:clrMapOvr>
@@ -11832,115 +11218,14 @@
       </p:grpSpPr>
       <p:sp>
         <p:nvSpPr>
-          <p:cNvPr id="52" name="任意多边形 51"/>
-          <p:cNvSpPr/>
-          <p:nvPr/>
-        </p:nvSpPr>
-        <p:spPr>
-          <a:xfrm flipV="1">
-            <a:off x="7094220" y="5080"/>
-            <a:ext cx="5103495" cy="2505075"/>
-          </a:xfrm>
-          <a:custGeom>
-            <a:avLst/>
-            <a:gdLst>
-              <a:gd name="adj" fmla="val 50000"/>
-              <a:gd name="a" fmla="pin 0 adj 100000"/>
-              <a:gd name="x1" fmla="*/ w a 200000"/>
-              <a:gd name="x2" fmla="*/ w a 100000"/>
-              <a:gd name="x3" fmla="+- x1 wd2 0"/>
-            </a:gdLst>
-            <a:ahLst/>
-            <a:cxnLst>
-              <a:cxn ang="3">
-                <a:pos x="x2" y="t"/>
-              </a:cxn>
-              <a:cxn ang="cd2">
-                <a:pos x="x1" y="vc"/>
-              </a:cxn>
-              <a:cxn ang="cd4">
-                <a:pos x="l" y="b"/>
-              </a:cxn>
-              <a:cxn ang="cd4">
-                <a:pos x="x2" y="b"/>
-              </a:cxn>
-              <a:cxn ang="cd4">
-                <a:pos x="r" y="b"/>
-              </a:cxn>
-              <a:cxn ang="0">
-                <a:pos x="x3" y="vc"/>
-              </a:cxn>
-            </a:cxnLst>
-            <a:rect l="l" t="t" r="r" b="b"/>
-            <a:pathLst>
-              <a:path w="6791" h="3333">
-                <a:moveTo>
-                  <a:pt x="3702" y="0"/>
-                </a:moveTo>
-                <a:lnTo>
-                  <a:pt x="6791" y="2781"/>
-                </a:lnTo>
-                <a:lnTo>
-                  <a:pt x="6791" y="3333"/>
-                </a:lnTo>
-                <a:lnTo>
-                  <a:pt x="0" y="3333"/>
-                </a:lnTo>
-                <a:lnTo>
-                  <a:pt x="3702" y="0"/>
-                </a:lnTo>
-                <a:close/>
-              </a:path>
-            </a:pathLst>
-          </a:custGeom>
-          <a:solidFill>
-            <a:srgbClr val="C5E6A0">
-              <a:alpha val="21000"/>
-            </a:srgbClr>
-          </a:solidFill>
-          <a:ln>
-            <a:noFill/>
-          </a:ln>
-        </p:spPr>
-        <p:style>
-          <a:lnRef idx="2">
-            <a:schemeClr val="accent1">
-              <a:shade val="50000"/>
-            </a:schemeClr>
-          </a:lnRef>
-          <a:fillRef idx="1">
-            <a:schemeClr val="accent1"/>
-          </a:fillRef>
-          <a:effectRef idx="0">
-            <a:schemeClr val="accent1"/>
-          </a:effectRef>
-          <a:fontRef idx="minor">
-            <a:schemeClr val="lt1"/>
-          </a:fontRef>
-        </p:style>
-        <p:txBody>
-          <a:bodyPr wrap="square" rtlCol="0" anchor="ctr">
-            <a:noAutofit/>
-          </a:bodyPr>
-          <a:lstStyle/>
-          <a:p>
-            <a:pPr algn="ctr"/>
-            <a:endParaRPr lang="zh-CN" altLang="en-US">
-              <a:cs typeface="Open Sans" panose="020B0606030504020204" charset="0"/>
-            </a:endParaRPr>
-          </a:p>
-        </p:txBody>
-      </p:sp>
-      <p:sp>
-        <p:nvSpPr>
           <p:cNvPr id="51" name="任意多边形 50"/>
           <p:cNvSpPr/>
           <p:nvPr/>
         </p:nvSpPr>
         <p:spPr>
-          <a:xfrm>
-            <a:off x="-3810" y="4472305"/>
-            <a:ext cx="3820160" cy="2385695"/>
+          <a:xfrm flipH="1">
+            <a:off x="7395845" y="3796030"/>
+            <a:ext cx="4903470" cy="3061970"/>
           </a:xfrm>
           <a:custGeom>
             <a:avLst/>
@@ -11986,9 +11271,10 @@
             </a:pathLst>
           </a:custGeom>
           <a:solidFill>
-            <a:srgbClr val="C5E6A0">
-              <a:alpha val="21000"/>
-            </a:srgbClr>
+            <a:schemeClr val="bg1">
+              <a:lumMod val="95000"/>
+              <a:alpha val="50000"/>
+            </a:schemeClr>
           </a:solidFill>
           <a:ln>
             <a:noFill/>
@@ -12025,76 +11311,20 @@
       </p:sp>
       <p:sp>
         <p:nvSpPr>
-          <p:cNvPr id="26" name="任意多边形 25"/>
+          <p:cNvPr id="2" name="菱形 1"/>
           <p:cNvSpPr/>
           <p:nvPr/>
         </p:nvSpPr>
         <p:spPr>
           <a:xfrm>
-            <a:off x="-6350" y="-6350"/>
-            <a:ext cx="2787015" cy="3173413"/>
-          </a:xfrm>
-          <a:custGeom>
+            <a:off x="36830" y="-149225"/>
+            <a:ext cx="704850" cy="704850"/>
+          </a:xfrm>
+          <a:prstGeom prst="diamond">
             <a:avLst/>
-            <a:gdLst>
-              <a:gd name="ir" fmla="*/ w 3 4"/>
-              <a:gd name="ib" fmla="*/ h 3 4"/>
-            </a:gdLst>
-            <a:ahLst/>
-            <a:cxnLst>
-              <a:cxn ang="3">
-                <a:pos x="hc" y="t"/>
-              </a:cxn>
-              <a:cxn ang="cd2">
-                <a:pos x="l" y="vc"/>
-              </a:cxn>
-              <a:cxn ang="cd4">
-                <a:pos x="hc" y="b"/>
-              </a:cxn>
-              <a:cxn ang="0">
-                <a:pos x="r" y="vc"/>
-              </a:cxn>
-            </a:cxnLst>
-            <a:rect l="l" t="t" r="r" b="b"/>
-            <a:pathLst>
-              <a:path w="4389" h="4998">
-                <a:moveTo>
-                  <a:pt x="813" y="0"/>
-                </a:moveTo>
-                <a:lnTo>
-                  <a:pt x="3687" y="0"/>
-                </a:lnTo>
-                <a:lnTo>
-                  <a:pt x="4389" y="703"/>
-                </a:lnTo>
-                <a:lnTo>
-                  <a:pt x="2250" y="2842"/>
-                </a:lnTo>
-                <a:lnTo>
-                  <a:pt x="110" y="703"/>
-                </a:lnTo>
-                <a:lnTo>
-                  <a:pt x="813" y="0"/>
-                </a:lnTo>
-                <a:close/>
-                <a:moveTo>
-                  <a:pt x="0" y="1074"/>
-                </a:moveTo>
-                <a:lnTo>
-                  <a:pt x="1962" y="3036"/>
-                </a:lnTo>
-                <a:lnTo>
-                  <a:pt x="0" y="4998"/>
-                </a:lnTo>
-                <a:lnTo>
-                  <a:pt x="0" y="1074"/>
-                </a:lnTo>
-                <a:close/>
-              </a:path>
-            </a:pathLst>
-          </a:custGeom>
+          </a:prstGeom>
           <a:solidFill>
-            <a:srgbClr val="FFF6DB"/>
+            <a:srgbClr val="92D14F"/>
           </a:solidFill>
           <a:ln>
             <a:noFill/>
@@ -12117,34 +11347,39 @@
           </a:fontRef>
         </p:style>
         <p:txBody>
-          <a:bodyPr wrap="square" rtlCol="0" anchor="ctr">
+          <a:bodyPr vertOverflow="overflow" horzOverflow="overflow" vert="horz" wrap="square" numCol="1" spcCol="0" rtlCol="0" fromWordArt="0" anchor="ctr" anchorCtr="0" forceAA="0" compatLnSpc="1">
             <a:noAutofit/>
           </a:bodyPr>
           <a:lstStyle/>
           <a:p>
-            <a:pPr algn="ctr"/>
+            <a:pPr lvl="0" algn="ctr">
+              <a:buClrTx/>
+              <a:buSzTx/>
+              <a:buFontTx/>
+            </a:pPr>
             <a:endParaRPr lang="zh-CN" altLang="en-US">
               <a:cs typeface="Open Sans" panose="020B0606030504020204" charset="0"/>
+              <a:sym typeface="+mn-ea"/>
             </a:endParaRPr>
           </a:p>
         </p:txBody>
       </p:sp>
       <p:sp>
         <p:nvSpPr>
-          <p:cNvPr id="37" name="菱形 36"/>
+          <p:cNvPr id="3" name="菱形 2"/>
           <p:cNvSpPr/>
           <p:nvPr/>
         </p:nvSpPr>
         <p:spPr>
           <a:xfrm>
-            <a:off x="431800" y="1075690"/>
-            <a:ext cx="1438275" cy="1438275"/>
+            <a:off x="71120" y="460375"/>
+            <a:ext cx="229235" cy="229235"/>
           </a:xfrm>
           <a:prstGeom prst="diamond">
             <a:avLst/>
           </a:prstGeom>
           <a:solidFill>
-            <a:srgbClr val="92D14F"/>
+            <a:srgbClr val="FFD04F"/>
           </a:solidFill>
           <a:ln>
             <a:noFill/>
@@ -12179,20 +11414,20 @@
       </p:sp>
       <p:sp>
         <p:nvSpPr>
-          <p:cNvPr id="41" name="菱形 40"/>
+          <p:cNvPr id="36" name="矩形 35"/>
           <p:cNvSpPr/>
           <p:nvPr/>
         </p:nvSpPr>
         <p:spPr>
           <a:xfrm>
-            <a:off x="1761490" y="1016000"/>
-            <a:ext cx="474345" cy="474345"/>
-          </a:xfrm>
-          <a:prstGeom prst="diamond">
+            <a:off x="10993120" y="5641975"/>
+            <a:ext cx="321310" cy="321310"/>
+          </a:xfrm>
+          <a:prstGeom prst="rect">
             <a:avLst/>
           </a:prstGeom>
           <a:solidFill>
-            <a:srgbClr val="C5E6A0"/>
+            <a:srgbClr val="FFD04F"/>
           </a:solidFill>
           <a:ln>
             <a:noFill/>
@@ -12227,64 +11462,14 @@
       </p:sp>
       <p:sp>
         <p:nvSpPr>
-          <p:cNvPr id="46" name="矩形 45"/>
-          <p:cNvSpPr/>
-          <p:nvPr/>
-        </p:nvSpPr>
-        <p:spPr>
-          <a:xfrm>
-            <a:off x="2995930" y="4493260"/>
-            <a:ext cx="5867400" cy="135890"/>
-          </a:xfrm>
-          <a:prstGeom prst="rect">
-            <a:avLst/>
-          </a:prstGeom>
-          <a:solidFill>
-            <a:schemeClr val="bg1">
-              <a:lumMod val="95000"/>
-            </a:schemeClr>
-          </a:solidFill>
-          <a:ln>
-            <a:noFill/>
-          </a:ln>
-        </p:spPr>
-        <p:style>
-          <a:lnRef idx="2">
-            <a:schemeClr val="accent1">
-              <a:shade val="50000"/>
-            </a:schemeClr>
-          </a:lnRef>
-          <a:fillRef idx="1">
-            <a:schemeClr val="accent1"/>
-          </a:fillRef>
-          <a:effectRef idx="0">
-            <a:schemeClr val="accent1"/>
-          </a:effectRef>
-          <a:fontRef idx="minor">
-            <a:schemeClr val="lt1"/>
-          </a:fontRef>
-        </p:style>
-        <p:txBody>
-          <a:bodyPr rtlCol="0" anchor="ctr"/>
-          <a:lstStyle/>
-          <a:p>
-            <a:pPr algn="ctr"/>
-            <a:endParaRPr lang="zh-CN" altLang="en-US">
-              <a:cs typeface="Open Sans" panose="020B0606030504020204" charset="0"/>
-            </a:endParaRPr>
-          </a:p>
-        </p:txBody>
-      </p:sp>
-      <p:sp>
-        <p:nvSpPr>
-          <p:cNvPr id="27" name="文本框 26" descr="7b0a20202020227461726765744d6f64756c65223a20226b6f6e6c696e65666f6e7473220a7d0a"/>
+          <p:cNvPr id="11" name="Text Box 10"/>
           <p:cNvSpPr txBox="1"/>
           <p:nvPr/>
         </p:nvSpPr>
         <p:spPr>
           <a:xfrm>
-            <a:off x="1961515" y="2107565"/>
-            <a:ext cx="8268970" cy="1186815"/>
+            <a:off x="1323340" y="460375"/>
+            <a:ext cx="4064000" cy="368300"/>
           </a:xfrm>
           <a:prstGeom prst="rect">
             <a:avLst/>
@@ -12293,349 +11478,66 @@
         </p:spPr>
         <p:txBody>
           <a:bodyPr wrap="square" rtlCol="0">
-            <a:noAutofit/>
+            <a:spAutoFit/>
           </a:bodyPr>
           <a:lstStyle/>
           <a:p>
-            <a:pPr lvl="0" algn="ctr">
-              <a:spcBef>
-                <a:spcPts val="0"/>
-              </a:spcBef>
-              <a:spcAft>
-                <a:spcPts val="0"/>
-              </a:spcAft>
-              <a:buClrTx/>
-              <a:buSzTx/>
-              <a:buFontTx/>
-              <a:defRPr/>
-            </a:pPr>
             <a:r>
-              <a:rPr lang="zh-CN" altLang="en-US" sz="7200" noProof="0" dirty="0">
-                <a:ln>
-                  <a:noFill/>
-                </a:ln>
-                <a:solidFill>
-                  <a:srgbClr val="7BC032"/>
-                </a:solidFill>
-                <a:effectLst/>
-                <a:uLnTx/>
-                <a:uFillTx/>
-                <a:latin typeface="Open Sans ExtraBold" panose="020B0906030804020204" charset="0"/>
-                <a:ea typeface="Open Sans ExtraBold" panose="020B0906030804020204" charset="0"/>
-                <a:cs typeface="Open Sans" panose="020B0606030504020204" charset="0"/>
-                <a:sym typeface="+mn-ea"/>
-              </a:rPr>
-              <a:t>THANK YOU</a:t>
+              <a:rPr lang="en-US" b="1"/>
+              <a:t>3.Random Forest Algorithm :-</a:t>
             </a:r>
-            <a:endParaRPr lang="zh-CN" altLang="en-US" sz="7200" noProof="0" dirty="0">
-              <a:ln>
-                <a:noFill/>
-              </a:ln>
-              <a:solidFill>
-                <a:srgbClr val="7BC032"/>
-              </a:solidFill>
-              <a:effectLst/>
-              <a:uLnTx/>
-              <a:uFillTx/>
-              <a:latin typeface="Open Sans ExtraBold" panose="020B0906030804020204" charset="0"/>
-              <a:ea typeface="Open Sans ExtraBold" panose="020B0906030804020204" charset="0"/>
-              <a:cs typeface="Open Sans" panose="020B0606030504020204" charset="0"/>
-              <a:sym typeface="+mn-ea"/>
-            </a:endParaRPr>
+            <a:endParaRPr lang="en-US" b="1"/>
           </a:p>
         </p:txBody>
       </p:sp>
-      <p:sp>
-        <p:nvSpPr>
-          <p:cNvPr id="44" name="菱形 43"/>
-          <p:cNvSpPr/>
+      <p:pic>
+        <p:nvPicPr>
+          <p:cNvPr id="20" name="Picture 20" descr="14"/>
+          <p:cNvPicPr>
+            <a:picLocks noChangeAspect="1"/>
+          </p:cNvPicPr>
           <p:nvPr/>
-        </p:nvSpPr>
+        </p:nvPicPr>
+        <p:blipFill>
+          <a:blip r:embed="rId1"/>
+          <a:stretch>
+            <a:fillRect/>
+          </a:stretch>
+        </p:blipFill>
         <p:spPr>
           <a:xfrm>
-            <a:off x="1810385" y="1908175"/>
-            <a:ext cx="346710" cy="346710"/>
-          </a:xfrm>
-          <a:prstGeom prst="diamond">
+            <a:off x="1323340" y="1225550"/>
+            <a:ext cx="5269865" cy="3279140"/>
+          </a:xfrm>
+          <a:prstGeom prst="rect">
             <a:avLst/>
           </a:prstGeom>
-          <a:solidFill>
-            <a:srgbClr val="FFD04F"/>
-          </a:solidFill>
-          <a:ln>
-            <a:noFill/>
-          </a:ln>
-        </p:spPr>
-        <p:style>
-          <a:lnRef idx="2">
-            <a:schemeClr val="accent1">
-              <a:shade val="50000"/>
-            </a:schemeClr>
-          </a:lnRef>
-          <a:fillRef idx="1">
-            <a:schemeClr val="accent1"/>
-          </a:fillRef>
-          <a:effectRef idx="0">
-            <a:schemeClr val="accent1"/>
-          </a:effectRef>
-          <a:fontRef idx="minor">
-            <a:schemeClr val="lt1"/>
-          </a:fontRef>
-        </p:style>
-        <p:txBody>
-          <a:bodyPr rtlCol="0" anchor="ctr"/>
-          <a:lstStyle/>
-          <a:p>
-            <a:pPr algn="ctr"/>
-            <a:endParaRPr lang="zh-CN" altLang="en-US">
-              <a:cs typeface="Open Sans" panose="020B0606030504020204" charset="0"/>
-            </a:endParaRPr>
-          </a:p>
-        </p:txBody>
-      </p:sp>
-      <p:grpSp>
-        <p:nvGrpSpPr>
-          <p:cNvPr id="2" name="组合 1"/>
-          <p:cNvGrpSpPr/>
+        </p:spPr>
+      </p:pic>
+      <p:pic>
+        <p:nvPicPr>
+          <p:cNvPr id="21" name="Picture 21" descr="15"/>
+          <p:cNvPicPr>
+            <a:picLocks noChangeAspect="1"/>
+          </p:cNvPicPr>
           <p:nvPr/>
-        </p:nvGrpSpPr>
-        <p:grpSpPr>
+        </p:nvPicPr>
+        <p:blipFill>
+          <a:blip r:embed="rId2"/>
+          <a:stretch>
+            <a:fillRect/>
+          </a:stretch>
+        </p:blipFill>
+        <p:spPr>
           <a:xfrm>
-            <a:off x="10407015" y="5088890"/>
-            <a:ext cx="1787525" cy="1859280"/>
-            <a:chOff x="16377" y="8014"/>
-            <a:chExt cx="2815" cy="2928"/>
-          </a:xfrm>
-        </p:grpSpPr>
-        <p:sp>
-          <p:nvSpPr>
-            <p:cNvPr id="34" name="任意多边形 33"/>
-            <p:cNvSpPr/>
-            <p:nvPr/>
-          </p:nvSpPr>
-          <p:spPr>
-            <a:xfrm>
-              <a:off x="17662" y="8014"/>
-              <a:ext cx="1530" cy="2928"/>
-            </a:xfrm>
-            <a:custGeom>
-              <a:avLst/>
-              <a:gdLst>
-                <a:gd name="ir" fmla="*/ w 3 4"/>
-                <a:gd name="ib" fmla="*/ h 3 4"/>
-              </a:gdLst>
-              <a:ahLst/>
-              <a:cxnLst>
-                <a:cxn ang="3">
-                  <a:pos x="hc" y="t"/>
-                </a:cxn>
-                <a:cxn ang="cd2">
-                  <a:pos x="l" y="vc"/>
-                </a:cxn>
-                <a:cxn ang="cd4">
-                  <a:pos x="hc" y="b"/>
-                </a:cxn>
-                <a:cxn ang="0">
-                  <a:pos x="r" y="vc"/>
-                </a:cxn>
-              </a:cxnLst>
-              <a:rect l="l" t="t" r="r" b="b"/>
-              <a:pathLst>
-                <a:path w="1530" h="2928">
-                  <a:moveTo>
-                    <a:pt x="1464" y="0"/>
-                  </a:moveTo>
-                  <a:lnTo>
-                    <a:pt x="1530" y="66"/>
-                  </a:lnTo>
-                  <a:lnTo>
-                    <a:pt x="1530" y="2862"/>
-                  </a:lnTo>
-                  <a:lnTo>
-                    <a:pt x="1464" y="2928"/>
-                  </a:lnTo>
-                  <a:lnTo>
-                    <a:pt x="0" y="1464"/>
-                  </a:lnTo>
-                  <a:lnTo>
-                    <a:pt x="1464" y="0"/>
-                  </a:lnTo>
-                  <a:close/>
-                </a:path>
-              </a:pathLst>
-            </a:custGeom>
-            <a:solidFill>
-              <a:srgbClr val="C5E6A0"/>
-            </a:solidFill>
-            <a:ln>
-              <a:noFill/>
-            </a:ln>
-          </p:spPr>
-          <p:style>
-            <a:lnRef idx="2">
-              <a:schemeClr val="accent1">
-                <a:shade val="50000"/>
-              </a:schemeClr>
-            </a:lnRef>
-            <a:fillRef idx="1">
-              <a:schemeClr val="accent1"/>
-            </a:fillRef>
-            <a:effectRef idx="0">
-              <a:schemeClr val="accent1"/>
-            </a:effectRef>
-            <a:fontRef idx="minor">
-              <a:schemeClr val="lt1"/>
-            </a:fontRef>
-          </p:style>
-          <p:txBody>
-            <a:bodyPr wrap="square" rtlCol="0" anchor="ctr">
-              <a:noAutofit/>
-            </a:bodyPr>
-            <a:lstStyle/>
-            <a:p>
-              <a:pPr algn="ctr"/>
-              <a:endParaRPr lang="zh-CN" altLang="en-US">
-                <a:cs typeface="Open Sans" panose="020B0606030504020204" charset="0"/>
-              </a:endParaRPr>
-            </a:p>
-          </p:txBody>
-        </p:sp>
-        <p:sp>
-          <p:nvSpPr>
-            <p:cNvPr id="35" name="任意多边形 34"/>
-            <p:cNvSpPr/>
-            <p:nvPr/>
-          </p:nvSpPr>
-          <p:spPr>
-            <a:xfrm>
-              <a:off x="16377" y="9739"/>
-              <a:ext cx="2230" cy="1115"/>
-            </a:xfrm>
-            <a:custGeom>
-              <a:avLst/>
-              <a:gdLst>
-                <a:gd name="ir" fmla="*/ w 3 4"/>
-                <a:gd name="ib" fmla="*/ h 3 4"/>
-              </a:gdLst>
-              <a:ahLst/>
-              <a:cxnLst>
-                <a:cxn ang="3">
-                  <a:pos x="hc" y="t"/>
-                </a:cxn>
-                <a:cxn ang="cd2">
-                  <a:pos x="l" y="vc"/>
-                </a:cxn>
-                <a:cxn ang="cd4">
-                  <a:pos x="hc" y="b"/>
-                </a:cxn>
-                <a:cxn ang="0">
-                  <a:pos x="r" y="vc"/>
-                </a:cxn>
-              </a:cxnLst>
-              <a:rect l="l" t="t" r="r" b="b"/>
-              <a:pathLst>
-                <a:path w="2230" h="1115">
-                  <a:moveTo>
-                    <a:pt x="1115" y="0"/>
-                  </a:moveTo>
-                  <a:lnTo>
-                    <a:pt x="2230" y="1115"/>
-                  </a:lnTo>
-                  <a:lnTo>
-                    <a:pt x="0" y="1115"/>
-                  </a:lnTo>
-                  <a:lnTo>
-                    <a:pt x="1115" y="0"/>
-                  </a:lnTo>
-                  <a:close/>
-                </a:path>
-              </a:pathLst>
-            </a:custGeom>
-            <a:solidFill>
-              <a:srgbClr val="FFF6DB"/>
-            </a:solidFill>
-            <a:ln>
-              <a:noFill/>
-            </a:ln>
-          </p:spPr>
-          <p:style>
-            <a:lnRef idx="2">
-              <a:schemeClr val="accent1">
-                <a:shade val="50000"/>
-              </a:schemeClr>
-            </a:lnRef>
-            <a:fillRef idx="1">
-              <a:schemeClr val="accent1"/>
-            </a:fillRef>
-            <a:effectRef idx="0">
-              <a:schemeClr val="accent1"/>
-            </a:effectRef>
-            <a:fontRef idx="minor">
-              <a:schemeClr val="lt1"/>
-            </a:fontRef>
-          </p:style>
-          <p:txBody>
-            <a:bodyPr wrap="square" rtlCol="0" anchor="ctr">
-              <a:noAutofit/>
-            </a:bodyPr>
-            <a:lstStyle/>
-            <a:p>
-              <a:pPr algn="ctr"/>
-              <a:endParaRPr lang="zh-CN" altLang="en-US">
-                <a:cs typeface="Open Sans" panose="020B0606030504020204" charset="0"/>
-              </a:endParaRPr>
-            </a:p>
-          </p:txBody>
-        </p:sp>
-        <p:sp>
-          <p:nvSpPr>
-            <p:cNvPr id="59" name="菱形 58"/>
-            <p:cNvSpPr/>
-            <p:nvPr/>
-          </p:nvSpPr>
-          <p:spPr>
-            <a:xfrm>
-              <a:off x="17308" y="9028"/>
-              <a:ext cx="785" cy="785"/>
-            </a:xfrm>
-            <a:prstGeom prst="diamond">
-              <a:avLst/>
-            </a:prstGeom>
-            <a:solidFill>
-              <a:srgbClr val="FFD04F"/>
-            </a:solidFill>
-            <a:ln>
-              <a:noFill/>
-            </a:ln>
-          </p:spPr>
-          <p:style>
-            <a:lnRef idx="2">
-              <a:schemeClr val="accent1">
-                <a:shade val="50000"/>
-              </a:schemeClr>
-            </a:lnRef>
-            <a:fillRef idx="1">
-              <a:schemeClr val="accent1"/>
-            </a:fillRef>
-            <a:effectRef idx="0">
-              <a:schemeClr val="accent1"/>
-            </a:effectRef>
-            <a:fontRef idx="minor">
-              <a:schemeClr val="lt1"/>
-            </a:fontRef>
-          </p:style>
-          <p:txBody>
-            <a:bodyPr rtlCol="0" anchor="ctr"/>
-            <a:lstStyle/>
-            <a:p>
-              <a:pPr algn="ctr"/>
-              <a:endParaRPr lang="zh-CN" altLang="en-US">
-                <a:cs typeface="Open Sans" panose="020B0606030504020204" charset="0"/>
-              </a:endParaRPr>
-            </a:p>
-          </p:txBody>
-        </p:sp>
-      </p:grpSp>
+            <a:off x="6702425" y="1225550"/>
+            <a:ext cx="4417695" cy="3279140"/>
+          </a:xfrm>
+          <a:prstGeom prst="rect">
+            <a:avLst/>
+          </a:prstGeom>
+        </p:spPr>
+      </p:pic>
     </p:spTree>
   </p:cSld>
   <p:clrMapOvr>
@@ -13579,6 +12481,2088 @@
           </a:prstGeom>
         </p:spPr>
       </p:pic>
+    </p:spTree>
+  </p:cSld>
+  <p:clrMapOvr>
+    <a:masterClrMapping/>
+  </p:clrMapOvr>
+</p:sld>
+</file>
+
+<file path=ppt/slides/slide20.xml><?xml version="1.0" encoding="utf-8"?>
+<p:sld xmlns:a="http://schemas.openxmlformats.org/drawingml/2006/main" xmlns:r="http://schemas.openxmlformats.org/officeDocument/2006/relationships" xmlns:p="http://schemas.openxmlformats.org/presentationml/2006/main">
+  <p:cSld>
+    <p:spTree>
+      <p:nvGrpSpPr>
+        <p:cNvPr id="1" name=""/>
+        <p:cNvGrpSpPr/>
+        <p:nvPr/>
+      </p:nvGrpSpPr>
+      <p:grpSpPr>
+        <a:xfrm>
+          <a:off x="0" y="0"/>
+          <a:ext cx="0" cy="0"/>
+          <a:chOff x="0" y="0"/>
+          <a:chExt cx="0" cy="0"/>
+        </a:xfrm>
+      </p:grpSpPr>
+      <p:sp>
+        <p:nvSpPr>
+          <p:cNvPr id="51" name="任意多边形 50"/>
+          <p:cNvSpPr/>
+          <p:nvPr/>
+        </p:nvSpPr>
+        <p:spPr>
+          <a:xfrm flipH="1">
+            <a:off x="7395845" y="3796030"/>
+            <a:ext cx="4903470" cy="3061970"/>
+          </a:xfrm>
+          <a:custGeom>
+            <a:avLst/>
+            <a:gdLst>
+              <a:gd name="ir" fmla="*/ w 3 4"/>
+              <a:gd name="ib" fmla="*/ h 3 4"/>
+            </a:gdLst>
+            <a:ahLst/>
+            <a:cxnLst>
+              <a:cxn ang="3">
+                <a:pos x="hc" y="t"/>
+              </a:cxn>
+              <a:cxn ang="cd2">
+                <a:pos x="l" y="vc"/>
+              </a:cxn>
+              <a:cxn ang="cd4">
+                <a:pos x="hc" y="b"/>
+              </a:cxn>
+              <a:cxn ang="0">
+                <a:pos x="r" y="vc"/>
+              </a:cxn>
+            </a:cxnLst>
+            <a:rect l="l" t="t" r="r" b="b"/>
+            <a:pathLst>
+              <a:path w="7722" h="4822">
+                <a:moveTo>
+                  <a:pt x="2900" y="0"/>
+                </a:moveTo>
+                <a:lnTo>
+                  <a:pt x="7722" y="4822"/>
+                </a:lnTo>
+                <a:lnTo>
+                  <a:pt x="0" y="4822"/>
+                </a:lnTo>
+                <a:lnTo>
+                  <a:pt x="0" y="2900"/>
+                </a:lnTo>
+                <a:lnTo>
+                  <a:pt x="2900" y="0"/>
+                </a:lnTo>
+                <a:close/>
+              </a:path>
+            </a:pathLst>
+          </a:custGeom>
+          <a:solidFill>
+            <a:schemeClr val="bg1">
+              <a:lumMod val="95000"/>
+              <a:alpha val="50000"/>
+            </a:schemeClr>
+          </a:solidFill>
+          <a:ln>
+            <a:noFill/>
+          </a:ln>
+        </p:spPr>
+        <p:style>
+          <a:lnRef idx="2">
+            <a:schemeClr val="accent1">
+              <a:shade val="50000"/>
+            </a:schemeClr>
+          </a:lnRef>
+          <a:fillRef idx="1">
+            <a:schemeClr val="accent1"/>
+          </a:fillRef>
+          <a:effectRef idx="0">
+            <a:schemeClr val="accent1"/>
+          </a:effectRef>
+          <a:fontRef idx="minor">
+            <a:schemeClr val="lt1"/>
+          </a:fontRef>
+        </p:style>
+        <p:txBody>
+          <a:bodyPr wrap="square" rtlCol="0" anchor="ctr">
+            <a:noAutofit/>
+          </a:bodyPr>
+          <a:lstStyle/>
+          <a:p>
+            <a:pPr algn="ctr"/>
+            <a:endParaRPr lang="zh-CN" altLang="en-US">
+              <a:cs typeface="Open Sans" panose="020B0606030504020204" charset="0"/>
+            </a:endParaRPr>
+          </a:p>
+        </p:txBody>
+      </p:sp>
+      <p:sp>
+        <p:nvSpPr>
+          <p:cNvPr id="2" name="菱形 1"/>
+          <p:cNvSpPr/>
+          <p:nvPr/>
+        </p:nvSpPr>
+        <p:spPr>
+          <a:xfrm>
+            <a:off x="36830" y="-149225"/>
+            <a:ext cx="704850" cy="704850"/>
+          </a:xfrm>
+          <a:prstGeom prst="diamond">
+            <a:avLst/>
+          </a:prstGeom>
+          <a:solidFill>
+            <a:srgbClr val="92D14F"/>
+          </a:solidFill>
+          <a:ln>
+            <a:noFill/>
+          </a:ln>
+        </p:spPr>
+        <p:style>
+          <a:lnRef idx="2">
+            <a:schemeClr val="accent1">
+              <a:shade val="50000"/>
+            </a:schemeClr>
+          </a:lnRef>
+          <a:fillRef idx="1">
+            <a:schemeClr val="accent1"/>
+          </a:fillRef>
+          <a:effectRef idx="0">
+            <a:schemeClr val="accent1"/>
+          </a:effectRef>
+          <a:fontRef idx="minor">
+            <a:schemeClr val="lt1"/>
+          </a:fontRef>
+        </p:style>
+        <p:txBody>
+          <a:bodyPr vertOverflow="overflow" horzOverflow="overflow" vert="horz" wrap="square" numCol="1" spcCol="0" rtlCol="0" fromWordArt="0" anchor="ctr" anchorCtr="0" forceAA="0" compatLnSpc="1">
+            <a:noAutofit/>
+          </a:bodyPr>
+          <a:lstStyle/>
+          <a:p>
+            <a:pPr lvl="0" algn="ctr">
+              <a:buClrTx/>
+              <a:buSzTx/>
+              <a:buFontTx/>
+            </a:pPr>
+            <a:endParaRPr lang="zh-CN" altLang="en-US">
+              <a:cs typeface="Open Sans" panose="020B0606030504020204" charset="0"/>
+              <a:sym typeface="+mn-ea"/>
+            </a:endParaRPr>
+          </a:p>
+        </p:txBody>
+      </p:sp>
+      <p:sp>
+        <p:nvSpPr>
+          <p:cNvPr id="3" name="菱形 2"/>
+          <p:cNvSpPr/>
+          <p:nvPr/>
+        </p:nvSpPr>
+        <p:spPr>
+          <a:xfrm>
+            <a:off x="71120" y="460375"/>
+            <a:ext cx="229235" cy="229235"/>
+          </a:xfrm>
+          <a:prstGeom prst="diamond">
+            <a:avLst/>
+          </a:prstGeom>
+          <a:solidFill>
+            <a:srgbClr val="FFD04F"/>
+          </a:solidFill>
+          <a:ln>
+            <a:noFill/>
+          </a:ln>
+        </p:spPr>
+        <p:style>
+          <a:lnRef idx="2">
+            <a:schemeClr val="accent1">
+              <a:shade val="50000"/>
+            </a:schemeClr>
+          </a:lnRef>
+          <a:fillRef idx="1">
+            <a:schemeClr val="accent1"/>
+          </a:fillRef>
+          <a:effectRef idx="0">
+            <a:schemeClr val="accent1"/>
+          </a:effectRef>
+          <a:fontRef idx="minor">
+            <a:schemeClr val="lt1"/>
+          </a:fontRef>
+        </p:style>
+        <p:txBody>
+          <a:bodyPr rtlCol="0" anchor="ctr"/>
+          <a:lstStyle/>
+          <a:p>
+            <a:pPr algn="ctr"/>
+            <a:endParaRPr lang="zh-CN" altLang="en-US">
+              <a:cs typeface="Open Sans" panose="020B0606030504020204" charset="0"/>
+            </a:endParaRPr>
+          </a:p>
+        </p:txBody>
+      </p:sp>
+      <p:sp>
+        <p:nvSpPr>
+          <p:cNvPr id="36" name="矩形 35"/>
+          <p:cNvSpPr/>
+          <p:nvPr/>
+        </p:nvSpPr>
+        <p:spPr>
+          <a:xfrm>
+            <a:off x="10993120" y="5641975"/>
+            <a:ext cx="321310" cy="321310"/>
+          </a:xfrm>
+          <a:prstGeom prst="rect">
+            <a:avLst/>
+          </a:prstGeom>
+          <a:solidFill>
+            <a:srgbClr val="FFD04F"/>
+          </a:solidFill>
+          <a:ln>
+            <a:noFill/>
+          </a:ln>
+        </p:spPr>
+        <p:style>
+          <a:lnRef idx="2">
+            <a:schemeClr val="accent1">
+              <a:shade val="50000"/>
+            </a:schemeClr>
+          </a:lnRef>
+          <a:fillRef idx="1">
+            <a:schemeClr val="accent1"/>
+          </a:fillRef>
+          <a:effectRef idx="0">
+            <a:schemeClr val="accent1"/>
+          </a:effectRef>
+          <a:fontRef idx="minor">
+            <a:schemeClr val="lt1"/>
+          </a:fontRef>
+        </p:style>
+        <p:txBody>
+          <a:bodyPr rtlCol="0" anchor="ctr"/>
+          <a:lstStyle/>
+          <a:p>
+            <a:pPr algn="ctr"/>
+            <a:endParaRPr lang="zh-CN" altLang="en-US">
+              <a:cs typeface="Open Sans" panose="020B0606030504020204" charset="0"/>
+            </a:endParaRPr>
+          </a:p>
+        </p:txBody>
+      </p:sp>
+      <p:sp>
+        <p:nvSpPr>
+          <p:cNvPr id="11" name="Text Box 10"/>
+          <p:cNvSpPr txBox="1"/>
+          <p:nvPr/>
+        </p:nvSpPr>
+        <p:spPr>
+          <a:xfrm>
+            <a:off x="1323340" y="460375"/>
+            <a:ext cx="9669145" cy="368300"/>
+          </a:xfrm>
+          <a:prstGeom prst="rect">
+            <a:avLst/>
+          </a:prstGeom>
+          <a:noFill/>
+        </p:spPr>
+        <p:txBody>
+          <a:bodyPr wrap="square" rtlCol="0">
+            <a:spAutoFit/>
+          </a:bodyPr>
+          <a:lstStyle/>
+          <a:p>
+            <a:pPr marL="285750" indent="-285750">
+              <a:buFont typeface="Arial" panose="020B0604020202020204" pitchFamily="34" charset="0"/>
+              <a:buChar char="•"/>
+            </a:pPr>
+            <a:r>
+              <a:rPr lang="en-US"/>
+              <a:t>Classification Report for Random Forest model :</a:t>
+            </a:r>
+            <a:endParaRPr lang="en-US"/>
+          </a:p>
+        </p:txBody>
+      </p:sp>
+      <p:pic>
+        <p:nvPicPr>
+          <p:cNvPr id="5" name="Picture 4" descr="ran"/>
+          <p:cNvPicPr>
+            <a:picLocks noChangeAspect="1"/>
+          </p:cNvPicPr>
+          <p:nvPr/>
+        </p:nvPicPr>
+        <p:blipFill>
+          <a:blip r:embed="rId1"/>
+          <a:stretch>
+            <a:fillRect/>
+          </a:stretch>
+        </p:blipFill>
+        <p:spPr>
+          <a:xfrm>
+            <a:off x="1903095" y="1320165"/>
+            <a:ext cx="6605270" cy="4040505"/>
+          </a:xfrm>
+          <a:prstGeom prst="rect">
+            <a:avLst/>
+          </a:prstGeom>
+        </p:spPr>
+      </p:pic>
+    </p:spTree>
+  </p:cSld>
+  <p:clrMapOvr>
+    <a:masterClrMapping/>
+  </p:clrMapOvr>
+</p:sld>
+</file>
+
+<file path=ppt/slides/slide21.xml><?xml version="1.0" encoding="utf-8"?>
+<p:sld xmlns:a="http://schemas.openxmlformats.org/drawingml/2006/main" xmlns:r="http://schemas.openxmlformats.org/officeDocument/2006/relationships" xmlns:p="http://schemas.openxmlformats.org/presentationml/2006/main">
+  <p:cSld>
+    <p:spTree>
+      <p:nvGrpSpPr>
+        <p:cNvPr id="1" name=""/>
+        <p:cNvGrpSpPr/>
+        <p:nvPr/>
+      </p:nvGrpSpPr>
+      <p:grpSpPr>
+        <a:xfrm>
+          <a:off x="0" y="0"/>
+          <a:ext cx="0" cy="0"/>
+          <a:chOff x="0" y="0"/>
+          <a:chExt cx="0" cy="0"/>
+        </a:xfrm>
+      </p:grpSpPr>
+      <p:sp>
+        <p:nvSpPr>
+          <p:cNvPr id="51" name="任意多边形 50"/>
+          <p:cNvSpPr/>
+          <p:nvPr/>
+        </p:nvSpPr>
+        <p:spPr>
+          <a:xfrm>
+            <a:off x="18415" y="4726940"/>
+            <a:ext cx="3385820" cy="2114550"/>
+          </a:xfrm>
+          <a:custGeom>
+            <a:avLst/>
+            <a:gdLst>
+              <a:gd name="ir" fmla="*/ w 3 4"/>
+              <a:gd name="ib" fmla="*/ h 3 4"/>
+            </a:gdLst>
+            <a:ahLst/>
+            <a:cxnLst>
+              <a:cxn ang="3">
+                <a:pos x="hc" y="t"/>
+              </a:cxn>
+              <a:cxn ang="cd2">
+                <a:pos x="l" y="vc"/>
+              </a:cxn>
+              <a:cxn ang="cd4">
+                <a:pos x="hc" y="b"/>
+              </a:cxn>
+              <a:cxn ang="0">
+                <a:pos x="r" y="vc"/>
+              </a:cxn>
+            </a:cxnLst>
+            <a:rect l="l" t="t" r="r" b="b"/>
+            <a:pathLst>
+              <a:path w="7722" h="4822">
+                <a:moveTo>
+                  <a:pt x="2900" y="0"/>
+                </a:moveTo>
+                <a:lnTo>
+                  <a:pt x="7722" y="4822"/>
+                </a:lnTo>
+                <a:lnTo>
+                  <a:pt x="0" y="4822"/>
+                </a:lnTo>
+                <a:lnTo>
+                  <a:pt x="0" y="2900"/>
+                </a:lnTo>
+                <a:lnTo>
+                  <a:pt x="2900" y="0"/>
+                </a:lnTo>
+                <a:close/>
+              </a:path>
+            </a:pathLst>
+          </a:custGeom>
+          <a:solidFill>
+            <a:srgbClr val="FFF6DB"/>
+          </a:solidFill>
+          <a:ln>
+            <a:noFill/>
+          </a:ln>
+        </p:spPr>
+        <p:style>
+          <a:lnRef idx="2">
+            <a:schemeClr val="accent1">
+              <a:shade val="50000"/>
+            </a:schemeClr>
+          </a:lnRef>
+          <a:fillRef idx="1">
+            <a:schemeClr val="accent1"/>
+          </a:fillRef>
+          <a:effectRef idx="0">
+            <a:schemeClr val="accent1"/>
+          </a:effectRef>
+          <a:fontRef idx="minor">
+            <a:schemeClr val="lt1"/>
+          </a:fontRef>
+        </p:style>
+        <p:txBody>
+          <a:bodyPr vertOverflow="overflow" horzOverflow="overflow" vert="horz" wrap="square" numCol="1" spcCol="0" rtlCol="0" fromWordArt="0" anchor="ctr" anchorCtr="0" forceAA="0" compatLnSpc="1">
+            <a:noAutofit/>
+          </a:bodyPr>
+          <a:lstStyle/>
+          <a:p>
+            <a:pPr lvl="0" algn="ctr">
+              <a:buClrTx/>
+              <a:buSzTx/>
+              <a:buFontTx/>
+            </a:pPr>
+            <a:endParaRPr lang="zh-CN" altLang="en-US">
+              <a:cs typeface="Open Sans" panose="020B0606030504020204" charset="0"/>
+              <a:sym typeface="+mn-ea"/>
+            </a:endParaRPr>
+          </a:p>
+        </p:txBody>
+      </p:sp>
+      <p:sp>
+        <p:nvSpPr>
+          <p:cNvPr id="5" name="任意多边形 4"/>
+          <p:cNvSpPr/>
+          <p:nvPr/>
+        </p:nvSpPr>
+        <p:spPr>
+          <a:xfrm>
+            <a:off x="11398885" y="1670050"/>
+            <a:ext cx="801370" cy="1490980"/>
+          </a:xfrm>
+          <a:custGeom>
+            <a:avLst/>
+            <a:gdLst>
+              <a:gd name="ir" fmla="*/ w 3 4"/>
+              <a:gd name="ib" fmla="*/ h 3 4"/>
+            </a:gdLst>
+            <a:ahLst/>
+            <a:cxnLst>
+              <a:cxn ang="3">
+                <a:pos x="hc" y="t"/>
+              </a:cxn>
+              <a:cxn ang="cd2">
+                <a:pos x="l" y="vc"/>
+              </a:cxn>
+              <a:cxn ang="cd4">
+                <a:pos x="hc" y="b"/>
+              </a:cxn>
+              <a:cxn ang="0">
+                <a:pos x="r" y="vc"/>
+              </a:cxn>
+            </a:cxnLst>
+            <a:rect l="l" t="t" r="r" b="b"/>
+            <a:pathLst>
+              <a:path w="1262" h="2348">
+                <a:moveTo>
+                  <a:pt x="1174" y="0"/>
+                </a:moveTo>
+                <a:lnTo>
+                  <a:pt x="1262" y="88"/>
+                </a:lnTo>
+                <a:lnTo>
+                  <a:pt x="1262" y="2260"/>
+                </a:lnTo>
+                <a:lnTo>
+                  <a:pt x="1174" y="2348"/>
+                </a:lnTo>
+                <a:lnTo>
+                  <a:pt x="0" y="1174"/>
+                </a:lnTo>
+                <a:lnTo>
+                  <a:pt x="1174" y="0"/>
+                </a:lnTo>
+                <a:close/>
+              </a:path>
+            </a:pathLst>
+          </a:custGeom>
+          <a:solidFill>
+            <a:srgbClr val="C5E6A0"/>
+          </a:solidFill>
+          <a:ln>
+            <a:noFill/>
+          </a:ln>
+        </p:spPr>
+        <p:style>
+          <a:lnRef idx="2">
+            <a:schemeClr val="accent1">
+              <a:shade val="50000"/>
+            </a:schemeClr>
+          </a:lnRef>
+          <a:fillRef idx="1">
+            <a:schemeClr val="accent1"/>
+          </a:fillRef>
+          <a:effectRef idx="0">
+            <a:schemeClr val="accent1"/>
+          </a:effectRef>
+          <a:fontRef idx="minor">
+            <a:schemeClr val="lt1"/>
+          </a:fontRef>
+        </p:style>
+        <p:txBody>
+          <a:bodyPr vertOverflow="overflow" horzOverflow="overflow" vert="horz" wrap="square" numCol="1" spcCol="0" rtlCol="0" fromWordArt="0" anchor="ctr" anchorCtr="0" forceAA="0" compatLnSpc="1">
+            <a:noAutofit/>
+          </a:bodyPr>
+          <a:lstStyle/>
+          <a:p>
+            <a:pPr lvl="0" algn="ctr">
+              <a:buClrTx/>
+              <a:buSzTx/>
+              <a:buFontTx/>
+            </a:pPr>
+            <a:endParaRPr lang="zh-CN" altLang="en-US">
+              <a:cs typeface="Open Sans" panose="020B0606030504020204" charset="0"/>
+              <a:sym typeface="+mn-ea"/>
+            </a:endParaRPr>
+          </a:p>
+        </p:txBody>
+      </p:sp>
+      <p:sp>
+        <p:nvSpPr>
+          <p:cNvPr id="6" name="任意多边形 5"/>
+          <p:cNvSpPr/>
+          <p:nvPr/>
+        </p:nvSpPr>
+        <p:spPr>
+          <a:xfrm>
+            <a:off x="-1270" y="4298950"/>
+            <a:ext cx="1249045" cy="2498090"/>
+          </a:xfrm>
+          <a:custGeom>
+            <a:avLst/>
+            <a:gdLst>
+              <a:gd name="ir" fmla="*/ w 3 4"/>
+              <a:gd name="ib" fmla="*/ h 3 4"/>
+            </a:gdLst>
+            <a:ahLst/>
+            <a:cxnLst>
+              <a:cxn ang="3">
+                <a:pos x="hc" y="t"/>
+              </a:cxn>
+              <a:cxn ang="cd2">
+                <a:pos x="l" y="vc"/>
+              </a:cxn>
+              <a:cxn ang="cd4">
+                <a:pos x="hc" y="b"/>
+              </a:cxn>
+              <a:cxn ang="0">
+                <a:pos x="r" y="vc"/>
+              </a:cxn>
+            </a:cxnLst>
+            <a:rect l="l" t="t" r="r" b="b"/>
+            <a:pathLst>
+              <a:path w="1967" h="3934">
+                <a:moveTo>
+                  <a:pt x="0" y="0"/>
+                </a:moveTo>
+                <a:lnTo>
+                  <a:pt x="1967" y="1967"/>
+                </a:lnTo>
+                <a:lnTo>
+                  <a:pt x="0" y="3934"/>
+                </a:lnTo>
+                <a:lnTo>
+                  <a:pt x="0" y="0"/>
+                </a:lnTo>
+                <a:close/>
+              </a:path>
+            </a:pathLst>
+          </a:custGeom>
+          <a:solidFill>
+            <a:srgbClr val="92D14F"/>
+          </a:solidFill>
+          <a:ln>
+            <a:noFill/>
+          </a:ln>
+        </p:spPr>
+        <p:style>
+          <a:lnRef idx="2">
+            <a:schemeClr val="accent1">
+              <a:shade val="50000"/>
+            </a:schemeClr>
+          </a:lnRef>
+          <a:fillRef idx="1">
+            <a:schemeClr val="accent1"/>
+          </a:fillRef>
+          <a:effectRef idx="0">
+            <a:schemeClr val="accent1"/>
+          </a:effectRef>
+          <a:fontRef idx="minor">
+            <a:schemeClr val="lt1"/>
+          </a:fontRef>
+        </p:style>
+        <p:txBody>
+          <a:bodyPr wrap="square" rtlCol="0" anchor="ctr">
+            <a:noAutofit/>
+          </a:bodyPr>
+          <a:lstStyle/>
+          <a:p>
+            <a:pPr algn="ctr"/>
+            <a:endParaRPr lang="zh-CN" altLang="en-US">
+              <a:cs typeface="Open Sans" panose="020B0606030504020204" charset="0"/>
+            </a:endParaRPr>
+          </a:p>
+        </p:txBody>
+      </p:sp>
+      <p:sp>
+        <p:nvSpPr>
+          <p:cNvPr id="7" name="任意多边形 6"/>
+          <p:cNvSpPr/>
+          <p:nvPr/>
+        </p:nvSpPr>
+        <p:spPr>
+          <a:xfrm>
+            <a:off x="2812415" y="6165215"/>
+            <a:ext cx="1383030" cy="691515"/>
+          </a:xfrm>
+          <a:custGeom>
+            <a:avLst/>
+            <a:gdLst>
+              <a:gd name="ir" fmla="*/ w 3 4"/>
+              <a:gd name="ib" fmla="*/ h 3 4"/>
+            </a:gdLst>
+            <a:ahLst/>
+            <a:cxnLst>
+              <a:cxn ang="3">
+                <a:pos x="hc" y="t"/>
+              </a:cxn>
+              <a:cxn ang="cd2">
+                <a:pos x="l" y="vc"/>
+              </a:cxn>
+              <a:cxn ang="cd4">
+                <a:pos x="hc" y="b"/>
+              </a:cxn>
+              <a:cxn ang="0">
+                <a:pos x="r" y="vc"/>
+              </a:cxn>
+            </a:cxnLst>
+            <a:rect l="l" t="t" r="r" b="b"/>
+            <a:pathLst>
+              <a:path w="2178" h="1089">
+                <a:moveTo>
+                  <a:pt x="1089" y="0"/>
+                </a:moveTo>
+                <a:lnTo>
+                  <a:pt x="2178" y="1089"/>
+                </a:lnTo>
+                <a:lnTo>
+                  <a:pt x="0" y="1089"/>
+                </a:lnTo>
+                <a:lnTo>
+                  <a:pt x="1089" y="0"/>
+                </a:lnTo>
+                <a:close/>
+              </a:path>
+            </a:pathLst>
+          </a:custGeom>
+          <a:solidFill>
+            <a:srgbClr val="F3FAEB"/>
+          </a:solidFill>
+          <a:ln>
+            <a:noFill/>
+          </a:ln>
+        </p:spPr>
+        <p:style>
+          <a:lnRef idx="2">
+            <a:schemeClr val="accent1">
+              <a:shade val="50000"/>
+            </a:schemeClr>
+          </a:lnRef>
+          <a:fillRef idx="1">
+            <a:schemeClr val="accent1"/>
+          </a:fillRef>
+          <a:effectRef idx="0">
+            <a:schemeClr val="accent1"/>
+          </a:effectRef>
+          <a:fontRef idx="minor">
+            <a:schemeClr val="lt1"/>
+          </a:fontRef>
+        </p:style>
+        <p:txBody>
+          <a:bodyPr wrap="square" rtlCol="0" anchor="ctr">
+            <a:noAutofit/>
+          </a:bodyPr>
+          <a:lstStyle/>
+          <a:p>
+            <a:pPr algn="ctr"/>
+            <a:endParaRPr lang="zh-CN" altLang="en-US">
+              <a:cs typeface="Open Sans" panose="020B0606030504020204" charset="0"/>
+            </a:endParaRPr>
+          </a:p>
+        </p:txBody>
+      </p:sp>
+      <p:sp>
+        <p:nvSpPr>
+          <p:cNvPr id="8" name="任意多边形 7"/>
+          <p:cNvSpPr/>
+          <p:nvPr/>
+        </p:nvSpPr>
+        <p:spPr>
+          <a:xfrm>
+            <a:off x="10466705" y="-6985"/>
+            <a:ext cx="1729105" cy="1854835"/>
+          </a:xfrm>
+          <a:custGeom>
+            <a:avLst/>
+            <a:gdLst>
+              <a:gd name="ir" fmla="*/ w 3 4"/>
+              <a:gd name="ib" fmla="*/ h 3 4"/>
+            </a:gdLst>
+            <a:ahLst/>
+            <a:cxnLst>
+              <a:cxn ang="3">
+                <a:pos x="hc" y="t"/>
+              </a:cxn>
+              <a:cxn ang="cd2">
+                <a:pos x="l" y="vc"/>
+              </a:cxn>
+              <a:cxn ang="cd4">
+                <a:pos x="hc" y="b"/>
+              </a:cxn>
+              <a:cxn ang="0">
+                <a:pos x="r" y="vc"/>
+              </a:cxn>
+            </a:cxnLst>
+            <a:rect l="l" t="t" r="r" b="b"/>
+            <a:pathLst>
+              <a:path w="2723" h="2921">
+                <a:moveTo>
+                  <a:pt x="1101" y="0"/>
+                </a:moveTo>
+                <a:lnTo>
+                  <a:pt x="2539" y="0"/>
+                </a:lnTo>
+                <a:lnTo>
+                  <a:pt x="2723" y="184"/>
+                </a:lnTo>
+                <a:lnTo>
+                  <a:pt x="2723" y="2018"/>
+                </a:lnTo>
+                <a:lnTo>
+                  <a:pt x="1820" y="2921"/>
+                </a:lnTo>
+                <a:lnTo>
+                  <a:pt x="0" y="1101"/>
+                </a:lnTo>
+                <a:lnTo>
+                  <a:pt x="1101" y="0"/>
+                </a:lnTo>
+                <a:close/>
+              </a:path>
+            </a:pathLst>
+          </a:custGeom>
+          <a:solidFill>
+            <a:srgbClr val="FFF6DB"/>
+          </a:solidFill>
+          <a:ln>
+            <a:noFill/>
+          </a:ln>
+        </p:spPr>
+        <p:style>
+          <a:lnRef idx="2">
+            <a:schemeClr val="accent1">
+              <a:shade val="50000"/>
+            </a:schemeClr>
+          </a:lnRef>
+          <a:fillRef idx="1">
+            <a:schemeClr val="accent1"/>
+          </a:fillRef>
+          <a:effectRef idx="0">
+            <a:schemeClr val="accent1"/>
+          </a:effectRef>
+          <a:fontRef idx="minor">
+            <a:schemeClr val="lt1"/>
+          </a:fontRef>
+        </p:style>
+        <p:txBody>
+          <a:bodyPr wrap="square" rtlCol="0" anchor="ctr">
+            <a:noAutofit/>
+          </a:bodyPr>
+          <a:lstStyle/>
+          <a:p>
+            <a:pPr algn="ctr"/>
+            <a:endParaRPr lang="zh-CN" altLang="en-US">
+              <a:cs typeface="Open Sans" panose="020B0606030504020204" charset="0"/>
+            </a:endParaRPr>
+          </a:p>
+        </p:txBody>
+      </p:sp>
+      <p:sp>
+        <p:nvSpPr>
+          <p:cNvPr id="15" name="任意多边形 14"/>
+          <p:cNvSpPr/>
+          <p:nvPr/>
+        </p:nvSpPr>
+        <p:spPr>
+          <a:xfrm flipH="1" flipV="1">
+            <a:off x="-64770" y="-29210"/>
+            <a:ext cx="2449830" cy="1202055"/>
+          </a:xfrm>
+          <a:custGeom>
+            <a:avLst/>
+            <a:gdLst>
+              <a:gd name="adj" fmla="val 50000"/>
+              <a:gd name="a" fmla="pin 0 adj 100000"/>
+              <a:gd name="x1" fmla="*/ w a 200000"/>
+              <a:gd name="x2" fmla="*/ w a 100000"/>
+              <a:gd name="x3" fmla="+- x1 wd2 0"/>
+            </a:gdLst>
+            <a:ahLst/>
+            <a:cxnLst>
+              <a:cxn ang="3">
+                <a:pos x="x2" y="t"/>
+              </a:cxn>
+              <a:cxn ang="cd2">
+                <a:pos x="x1" y="vc"/>
+              </a:cxn>
+              <a:cxn ang="cd4">
+                <a:pos x="l" y="b"/>
+              </a:cxn>
+              <a:cxn ang="cd4">
+                <a:pos x="x2" y="b"/>
+              </a:cxn>
+              <a:cxn ang="cd4">
+                <a:pos x="r" y="b"/>
+              </a:cxn>
+              <a:cxn ang="0">
+                <a:pos x="x3" y="vc"/>
+              </a:cxn>
+            </a:cxnLst>
+            <a:rect l="l" t="t" r="r" b="b"/>
+            <a:pathLst>
+              <a:path w="6791" h="3333">
+                <a:moveTo>
+                  <a:pt x="3702" y="0"/>
+                </a:moveTo>
+                <a:lnTo>
+                  <a:pt x="6791" y="2781"/>
+                </a:lnTo>
+                <a:lnTo>
+                  <a:pt x="6791" y="3333"/>
+                </a:lnTo>
+                <a:lnTo>
+                  <a:pt x="0" y="3333"/>
+                </a:lnTo>
+                <a:lnTo>
+                  <a:pt x="3702" y="0"/>
+                </a:lnTo>
+                <a:close/>
+              </a:path>
+            </a:pathLst>
+          </a:custGeom>
+          <a:solidFill>
+            <a:srgbClr val="C5E6A0">
+              <a:alpha val="21000"/>
+            </a:srgbClr>
+          </a:solidFill>
+          <a:ln>
+            <a:noFill/>
+          </a:ln>
+        </p:spPr>
+        <p:style>
+          <a:lnRef idx="2">
+            <a:schemeClr val="accent1">
+              <a:shade val="50000"/>
+            </a:schemeClr>
+          </a:lnRef>
+          <a:fillRef idx="1">
+            <a:schemeClr val="accent1"/>
+          </a:fillRef>
+          <a:effectRef idx="0">
+            <a:schemeClr val="accent1"/>
+          </a:effectRef>
+          <a:fontRef idx="minor">
+            <a:schemeClr val="lt1"/>
+          </a:fontRef>
+        </p:style>
+        <p:txBody>
+          <a:bodyPr vertOverflow="overflow" horzOverflow="overflow" vert="horz" wrap="square" numCol="1" spcCol="0" rtlCol="0" fromWordArt="0" anchor="ctr" anchorCtr="0" forceAA="0" compatLnSpc="1">
+            <a:noAutofit/>
+          </a:bodyPr>
+          <a:lstStyle/>
+          <a:p>
+            <a:pPr lvl="0" algn="ctr">
+              <a:buClrTx/>
+              <a:buSzTx/>
+              <a:buFontTx/>
+            </a:pPr>
+            <a:endParaRPr lang="zh-CN" altLang="en-US">
+              <a:cs typeface="Open Sans" panose="020B0606030504020204" charset="0"/>
+              <a:sym typeface="+mn-ea"/>
+            </a:endParaRPr>
+          </a:p>
+        </p:txBody>
+      </p:sp>
+      <p:sp>
+        <p:nvSpPr>
+          <p:cNvPr id="44" name="菱形 43"/>
+          <p:cNvSpPr/>
+          <p:nvPr/>
+        </p:nvSpPr>
+        <p:spPr>
+          <a:xfrm>
+            <a:off x="10903585" y="1010920"/>
+            <a:ext cx="532130" cy="532130"/>
+          </a:xfrm>
+          <a:prstGeom prst="diamond">
+            <a:avLst/>
+          </a:prstGeom>
+          <a:solidFill>
+            <a:srgbClr val="FFD04F"/>
+          </a:solidFill>
+          <a:ln>
+            <a:noFill/>
+          </a:ln>
+        </p:spPr>
+        <p:style>
+          <a:lnRef idx="2">
+            <a:schemeClr val="accent1">
+              <a:shade val="50000"/>
+            </a:schemeClr>
+          </a:lnRef>
+          <a:fillRef idx="1">
+            <a:schemeClr val="accent1"/>
+          </a:fillRef>
+          <a:effectRef idx="0">
+            <a:schemeClr val="accent1"/>
+          </a:effectRef>
+          <a:fontRef idx="minor">
+            <a:schemeClr val="lt1"/>
+          </a:fontRef>
+        </p:style>
+        <p:txBody>
+          <a:bodyPr rtlCol="0" anchor="ctr"/>
+          <a:lstStyle/>
+          <a:p>
+            <a:pPr algn="ctr"/>
+            <a:endParaRPr lang="zh-CN" altLang="en-US">
+              <a:cs typeface="Open Sans" panose="020B0606030504020204" charset="0"/>
+            </a:endParaRPr>
+          </a:p>
+        </p:txBody>
+      </p:sp>
+      <p:sp>
+        <p:nvSpPr>
+          <p:cNvPr id="3" name="菱形 2"/>
+          <p:cNvSpPr/>
+          <p:nvPr/>
+        </p:nvSpPr>
+        <p:spPr>
+          <a:xfrm>
+            <a:off x="2223770" y="5633085"/>
+            <a:ext cx="516890" cy="516890"/>
+          </a:xfrm>
+          <a:prstGeom prst="diamond">
+            <a:avLst/>
+          </a:prstGeom>
+          <a:solidFill>
+            <a:srgbClr val="7BC032"/>
+          </a:solidFill>
+          <a:ln>
+            <a:noFill/>
+          </a:ln>
+        </p:spPr>
+        <p:style>
+          <a:lnRef idx="2">
+            <a:schemeClr val="accent1">
+              <a:shade val="50000"/>
+            </a:schemeClr>
+          </a:lnRef>
+          <a:fillRef idx="1">
+            <a:schemeClr val="accent1"/>
+          </a:fillRef>
+          <a:effectRef idx="0">
+            <a:schemeClr val="accent1"/>
+          </a:effectRef>
+          <a:fontRef idx="minor">
+            <a:schemeClr val="lt1"/>
+          </a:fontRef>
+        </p:style>
+        <p:txBody>
+          <a:bodyPr rtlCol="0" anchor="ctr"/>
+          <a:lstStyle/>
+          <a:p>
+            <a:pPr algn="ctr"/>
+            <a:endParaRPr lang="zh-CN" altLang="en-US">
+              <a:cs typeface="Open Sans" panose="020B0606030504020204" charset="0"/>
+            </a:endParaRPr>
+          </a:p>
+        </p:txBody>
+      </p:sp>
+      <p:sp>
+        <p:nvSpPr>
+          <p:cNvPr id="2" name="矩形 7"/>
+          <p:cNvSpPr/>
+          <p:nvPr/>
+        </p:nvSpPr>
+        <p:spPr>
+          <a:xfrm>
+            <a:off x="-635" y="2540"/>
+            <a:ext cx="12192635" cy="1160145"/>
+          </a:xfrm>
+          <a:prstGeom prst="rect">
+            <a:avLst/>
+          </a:prstGeom>
+          <a:solidFill>
+            <a:srgbClr val="FFD04F"/>
+          </a:solidFill>
+          <a:ln>
+            <a:noFill/>
+          </a:ln>
+        </p:spPr>
+        <p:style>
+          <a:lnRef idx="2">
+            <a:schemeClr val="accent1">
+              <a:shade val="50000"/>
+            </a:schemeClr>
+          </a:lnRef>
+          <a:fillRef idx="1">
+            <a:schemeClr val="accent1"/>
+          </a:fillRef>
+          <a:effectRef idx="0">
+            <a:schemeClr val="accent1"/>
+          </a:effectRef>
+          <a:fontRef idx="minor">
+            <a:schemeClr val="lt1"/>
+          </a:fontRef>
+        </p:style>
+        <p:txBody>
+          <a:bodyPr rtlCol="0" anchor="ctr"/>
+          <a:lstStyle/>
+          <a:p>
+            <a:pPr marL="1371600" lvl="3" indent="457200" algn="l"/>
+            <a:r>
+              <a:rPr lang="en-US" altLang="zh-CN" sz="2800" b="1" u="sng">
+                <a:solidFill>
+                  <a:schemeClr val="tx1"/>
+                </a:solidFill>
+                <a:effectLst>
+                  <a:outerShdw blurRad="38100" dist="19050" dir="2700000" algn="tl" rotWithShape="0">
+                    <a:schemeClr val="dk1">
+                      <a:alpha val="40000"/>
+                    </a:schemeClr>
+                  </a:outerShdw>
+                </a:effectLst>
+                <a:cs typeface="Open Sans" panose="020B0606030504020204" charset="0"/>
+              </a:rPr>
+              <a:t>CONCLUSION</a:t>
+            </a:r>
+            <a:endParaRPr lang="en-US" altLang="zh-CN" sz="2800" b="1" u="sng">
+              <a:solidFill>
+                <a:schemeClr val="tx1"/>
+              </a:solidFill>
+              <a:effectLst>
+                <a:outerShdw blurRad="38100" dist="19050" dir="2700000" algn="tl" rotWithShape="0">
+                  <a:schemeClr val="dk1">
+                    <a:alpha val="40000"/>
+                  </a:schemeClr>
+                </a:outerShdw>
+              </a:effectLst>
+              <a:cs typeface="Open Sans" panose="020B0606030504020204" charset="0"/>
+            </a:endParaRPr>
+          </a:p>
+        </p:txBody>
+      </p:sp>
+      <p:sp>
+        <p:nvSpPr>
+          <p:cNvPr id="4" name="Text Box 3"/>
+          <p:cNvSpPr txBox="1"/>
+          <p:nvPr/>
+        </p:nvSpPr>
+        <p:spPr>
+          <a:xfrm>
+            <a:off x="1247775" y="1543050"/>
+            <a:ext cx="9841865" cy="4523105"/>
+          </a:xfrm>
+          <a:prstGeom prst="rect">
+            <a:avLst/>
+          </a:prstGeom>
+          <a:noFill/>
+        </p:spPr>
+        <p:txBody>
+          <a:bodyPr wrap="square" rtlCol="0">
+            <a:spAutoFit/>
+          </a:bodyPr>
+          <a:lstStyle/>
+          <a:p>
+            <a:pPr marL="285750" indent="-285750">
+              <a:buFont typeface="Arial" panose="020B0604020202020204" pitchFamily="34" charset="0"/>
+              <a:buChar char="•"/>
+            </a:pPr>
+            <a:r>
+              <a:rPr lang="en-US" sz="1600"/>
+              <a:t>Within the scope of the project, we first made the data set ready for Exploratory Data Analysis(EDA)</a:t>
+            </a:r>
+            <a:endParaRPr lang="en-US" sz="1600"/>
+          </a:p>
+          <a:p>
+            <a:pPr indent="0">
+              <a:buFont typeface="Arial" panose="020B0604020202020204" pitchFamily="34" charset="0"/>
+              <a:buNone/>
+            </a:pPr>
+            <a:endParaRPr lang="en-US" sz="1600"/>
+          </a:p>
+          <a:p>
+            <a:pPr marL="285750" indent="-285750">
+              <a:buFont typeface="Arial" panose="020B0604020202020204" pitchFamily="34" charset="0"/>
+              <a:buChar char="•"/>
+            </a:pPr>
+            <a:r>
+              <a:rPr lang="en-US" sz="1600"/>
+              <a:t>We analyzed numerical and categorical variables within the scope of univariate analysis by using Distplot and Pie Chart graphics.</a:t>
+            </a:r>
+            <a:endParaRPr lang="en-US" sz="1600"/>
+          </a:p>
+          <a:p>
+            <a:pPr indent="0">
+              <a:buFont typeface="Arial" panose="020B0604020202020204" pitchFamily="34" charset="0"/>
+              <a:buNone/>
+            </a:pPr>
+            <a:endParaRPr lang="en-US" sz="1600"/>
+          </a:p>
+          <a:p>
+            <a:pPr marL="285750" indent="-285750">
+              <a:buFont typeface="Arial" panose="020B0604020202020204" pitchFamily="34" charset="0"/>
+              <a:buChar char="•"/>
+            </a:pPr>
+            <a:r>
+              <a:rPr lang="en-US" sz="1600"/>
+              <a:t>We made the data set ready for the model. In this context, we struggled with missing and outlier values.</a:t>
+            </a:r>
+            <a:endParaRPr lang="en-US" sz="1600"/>
+          </a:p>
+          <a:p>
+            <a:pPr indent="0">
+              <a:buFont typeface="Arial" panose="020B0604020202020204" pitchFamily="34" charset="0"/>
+              <a:buNone/>
+            </a:pPr>
+            <a:endParaRPr lang="en-US" sz="1600"/>
+          </a:p>
+          <a:p>
+            <a:pPr marL="285750" indent="-285750">
+              <a:buFont typeface="Arial" panose="020B0604020202020204" pitchFamily="34" charset="0"/>
+              <a:buChar char="•"/>
+            </a:pPr>
+            <a:r>
+              <a:rPr lang="en-US" sz="1600"/>
+              <a:t>We used three different algorithms in the model phase.</a:t>
+            </a:r>
+            <a:endParaRPr lang="en-US" sz="1600"/>
+          </a:p>
+          <a:p>
+            <a:pPr indent="0">
+              <a:buFont typeface="Arial" panose="020B0604020202020204" pitchFamily="34" charset="0"/>
+              <a:buNone/>
+            </a:pPr>
+            <a:endParaRPr lang="en-US" sz="1600"/>
+          </a:p>
+          <a:p>
+            <a:pPr marL="285750" indent="-285750">
+              <a:buFont typeface="Arial" panose="020B0604020202020204" pitchFamily="34" charset="0"/>
+              <a:buChar char="•"/>
+            </a:pPr>
+            <a:r>
+              <a:rPr lang="en-US" sz="1600"/>
+              <a:t>We got 87% accuracy and 94% AUC with the Logistic Regression model.</a:t>
+            </a:r>
+            <a:endParaRPr lang="en-US" sz="1600"/>
+          </a:p>
+          <a:p>
+            <a:pPr indent="0">
+              <a:buFont typeface="Arial" panose="020B0604020202020204" pitchFamily="34" charset="0"/>
+              <a:buNone/>
+            </a:pPr>
+            <a:endParaRPr lang="en-US" sz="1600"/>
+          </a:p>
+          <a:p>
+            <a:pPr marL="285750" indent="-285750">
+              <a:buFont typeface="Arial" panose="020B0604020202020204" pitchFamily="34" charset="0"/>
+              <a:buChar char="•"/>
+            </a:pPr>
+            <a:r>
+              <a:rPr lang="en-US" sz="1600"/>
+              <a:t>We got 85% accuracy and 85% AUC with the Decision Tree Model.</a:t>
+            </a:r>
+            <a:endParaRPr lang="en-US" sz="1600"/>
+          </a:p>
+          <a:p>
+            <a:pPr indent="0">
+              <a:buFont typeface="Arial" panose="020B0604020202020204" pitchFamily="34" charset="0"/>
+              <a:buNone/>
+            </a:pPr>
+            <a:endParaRPr lang="en-US" sz="1600"/>
+          </a:p>
+          <a:p>
+            <a:pPr marL="285750" indent="-285750">
+              <a:buFont typeface="Arial" panose="020B0604020202020204" pitchFamily="34" charset="0"/>
+              <a:buChar char="•"/>
+            </a:pPr>
+            <a:r>
+              <a:rPr lang="en-US" sz="1600"/>
+              <a:t>And we got 89% accuracy and 95% AUC with the Random Forest Classifier Model.</a:t>
+            </a:r>
+            <a:endParaRPr lang="en-US" sz="1600"/>
+          </a:p>
+          <a:p>
+            <a:pPr indent="0">
+              <a:buFont typeface="Arial" panose="020B0604020202020204" pitchFamily="34" charset="0"/>
+              <a:buNone/>
+            </a:pPr>
+            <a:endParaRPr lang="en-US" sz="1600"/>
+          </a:p>
+          <a:p>
+            <a:pPr marL="285750" indent="-285750">
+              <a:buFont typeface="Arial" panose="020B0604020202020204" pitchFamily="34" charset="0"/>
+              <a:buChar char="•"/>
+            </a:pPr>
+            <a:r>
+              <a:rPr lang="en-US" sz="1600"/>
+              <a:t>When all these model outputs are evaluated, we prefer the model we created with the Random Forest Algorithm, which gives the best results.</a:t>
+            </a:r>
+            <a:endParaRPr lang="en-US" sz="1600"/>
+          </a:p>
+        </p:txBody>
+      </p:sp>
+    </p:spTree>
+  </p:cSld>
+  <p:clrMapOvr>
+    <a:masterClrMapping/>
+  </p:clrMapOvr>
+</p:sld>
+</file>
+
+<file path=ppt/slides/slide22.xml><?xml version="1.0" encoding="utf-8"?>
+<p:sld xmlns:a="http://schemas.openxmlformats.org/drawingml/2006/main" xmlns:r="http://schemas.openxmlformats.org/officeDocument/2006/relationships" xmlns:p="http://schemas.openxmlformats.org/presentationml/2006/main">
+  <p:cSld>
+    <p:spTree>
+      <p:nvGrpSpPr>
+        <p:cNvPr id="1" name=""/>
+        <p:cNvGrpSpPr/>
+        <p:nvPr/>
+      </p:nvGrpSpPr>
+      <p:grpSpPr>
+        <a:xfrm>
+          <a:off x="0" y="0"/>
+          <a:ext cx="0" cy="0"/>
+          <a:chOff x="0" y="0"/>
+          <a:chExt cx="0" cy="0"/>
+        </a:xfrm>
+      </p:grpSpPr>
+      <p:sp>
+        <p:nvSpPr>
+          <p:cNvPr id="52" name="任意多边形 51"/>
+          <p:cNvSpPr/>
+          <p:nvPr/>
+        </p:nvSpPr>
+        <p:spPr>
+          <a:xfrm flipV="1">
+            <a:off x="7094220" y="5080"/>
+            <a:ext cx="5103495" cy="2505075"/>
+          </a:xfrm>
+          <a:custGeom>
+            <a:avLst/>
+            <a:gdLst>
+              <a:gd name="adj" fmla="val 50000"/>
+              <a:gd name="a" fmla="pin 0 adj 100000"/>
+              <a:gd name="x1" fmla="*/ w a 200000"/>
+              <a:gd name="x2" fmla="*/ w a 100000"/>
+              <a:gd name="x3" fmla="+- x1 wd2 0"/>
+            </a:gdLst>
+            <a:ahLst/>
+            <a:cxnLst>
+              <a:cxn ang="3">
+                <a:pos x="x2" y="t"/>
+              </a:cxn>
+              <a:cxn ang="cd2">
+                <a:pos x="x1" y="vc"/>
+              </a:cxn>
+              <a:cxn ang="cd4">
+                <a:pos x="l" y="b"/>
+              </a:cxn>
+              <a:cxn ang="cd4">
+                <a:pos x="x2" y="b"/>
+              </a:cxn>
+              <a:cxn ang="cd4">
+                <a:pos x="r" y="b"/>
+              </a:cxn>
+              <a:cxn ang="0">
+                <a:pos x="x3" y="vc"/>
+              </a:cxn>
+            </a:cxnLst>
+            <a:rect l="l" t="t" r="r" b="b"/>
+            <a:pathLst>
+              <a:path w="6791" h="3333">
+                <a:moveTo>
+                  <a:pt x="3702" y="0"/>
+                </a:moveTo>
+                <a:lnTo>
+                  <a:pt x="6791" y="2781"/>
+                </a:lnTo>
+                <a:lnTo>
+                  <a:pt x="6791" y="3333"/>
+                </a:lnTo>
+                <a:lnTo>
+                  <a:pt x="0" y="3333"/>
+                </a:lnTo>
+                <a:lnTo>
+                  <a:pt x="3702" y="0"/>
+                </a:lnTo>
+                <a:close/>
+              </a:path>
+            </a:pathLst>
+          </a:custGeom>
+          <a:solidFill>
+            <a:srgbClr val="C5E6A0">
+              <a:alpha val="21000"/>
+            </a:srgbClr>
+          </a:solidFill>
+          <a:ln>
+            <a:noFill/>
+          </a:ln>
+        </p:spPr>
+        <p:style>
+          <a:lnRef idx="2">
+            <a:schemeClr val="accent1">
+              <a:shade val="50000"/>
+            </a:schemeClr>
+          </a:lnRef>
+          <a:fillRef idx="1">
+            <a:schemeClr val="accent1"/>
+          </a:fillRef>
+          <a:effectRef idx="0">
+            <a:schemeClr val="accent1"/>
+          </a:effectRef>
+          <a:fontRef idx="minor">
+            <a:schemeClr val="lt1"/>
+          </a:fontRef>
+        </p:style>
+        <p:txBody>
+          <a:bodyPr wrap="square" rtlCol="0" anchor="ctr">
+            <a:noAutofit/>
+          </a:bodyPr>
+          <a:lstStyle/>
+          <a:p>
+            <a:pPr algn="ctr"/>
+            <a:endParaRPr lang="zh-CN" altLang="en-US">
+              <a:cs typeface="Open Sans" panose="020B0606030504020204" charset="0"/>
+            </a:endParaRPr>
+          </a:p>
+        </p:txBody>
+      </p:sp>
+      <p:sp>
+        <p:nvSpPr>
+          <p:cNvPr id="51" name="任意多边形 50"/>
+          <p:cNvSpPr/>
+          <p:nvPr/>
+        </p:nvSpPr>
+        <p:spPr>
+          <a:xfrm>
+            <a:off x="-3810" y="4472305"/>
+            <a:ext cx="3820160" cy="2385695"/>
+          </a:xfrm>
+          <a:custGeom>
+            <a:avLst/>
+            <a:gdLst>
+              <a:gd name="ir" fmla="*/ w 3 4"/>
+              <a:gd name="ib" fmla="*/ h 3 4"/>
+            </a:gdLst>
+            <a:ahLst/>
+            <a:cxnLst>
+              <a:cxn ang="3">
+                <a:pos x="hc" y="t"/>
+              </a:cxn>
+              <a:cxn ang="cd2">
+                <a:pos x="l" y="vc"/>
+              </a:cxn>
+              <a:cxn ang="cd4">
+                <a:pos x="hc" y="b"/>
+              </a:cxn>
+              <a:cxn ang="0">
+                <a:pos x="r" y="vc"/>
+              </a:cxn>
+            </a:cxnLst>
+            <a:rect l="l" t="t" r="r" b="b"/>
+            <a:pathLst>
+              <a:path w="7722" h="4822">
+                <a:moveTo>
+                  <a:pt x="2900" y="0"/>
+                </a:moveTo>
+                <a:lnTo>
+                  <a:pt x="7722" y="4822"/>
+                </a:lnTo>
+                <a:lnTo>
+                  <a:pt x="0" y="4822"/>
+                </a:lnTo>
+                <a:lnTo>
+                  <a:pt x="0" y="2900"/>
+                </a:lnTo>
+                <a:lnTo>
+                  <a:pt x="2900" y="0"/>
+                </a:lnTo>
+                <a:close/>
+              </a:path>
+            </a:pathLst>
+          </a:custGeom>
+          <a:solidFill>
+            <a:srgbClr val="C5E6A0">
+              <a:alpha val="21000"/>
+            </a:srgbClr>
+          </a:solidFill>
+          <a:ln>
+            <a:noFill/>
+          </a:ln>
+        </p:spPr>
+        <p:style>
+          <a:lnRef idx="2">
+            <a:schemeClr val="accent1">
+              <a:shade val="50000"/>
+            </a:schemeClr>
+          </a:lnRef>
+          <a:fillRef idx="1">
+            <a:schemeClr val="accent1"/>
+          </a:fillRef>
+          <a:effectRef idx="0">
+            <a:schemeClr val="accent1"/>
+          </a:effectRef>
+          <a:fontRef idx="minor">
+            <a:schemeClr val="lt1"/>
+          </a:fontRef>
+        </p:style>
+        <p:txBody>
+          <a:bodyPr wrap="square" rtlCol="0" anchor="ctr">
+            <a:noAutofit/>
+          </a:bodyPr>
+          <a:lstStyle/>
+          <a:p>
+            <a:pPr algn="ctr"/>
+            <a:endParaRPr lang="zh-CN" altLang="en-US">
+              <a:cs typeface="Open Sans" panose="020B0606030504020204" charset="0"/>
+            </a:endParaRPr>
+          </a:p>
+        </p:txBody>
+      </p:sp>
+      <p:sp>
+        <p:nvSpPr>
+          <p:cNvPr id="26" name="任意多边形 25"/>
+          <p:cNvSpPr/>
+          <p:nvPr/>
+        </p:nvSpPr>
+        <p:spPr>
+          <a:xfrm>
+            <a:off x="-6350" y="-6350"/>
+            <a:ext cx="2787015" cy="3173413"/>
+          </a:xfrm>
+          <a:custGeom>
+            <a:avLst/>
+            <a:gdLst>
+              <a:gd name="ir" fmla="*/ w 3 4"/>
+              <a:gd name="ib" fmla="*/ h 3 4"/>
+            </a:gdLst>
+            <a:ahLst/>
+            <a:cxnLst>
+              <a:cxn ang="3">
+                <a:pos x="hc" y="t"/>
+              </a:cxn>
+              <a:cxn ang="cd2">
+                <a:pos x="l" y="vc"/>
+              </a:cxn>
+              <a:cxn ang="cd4">
+                <a:pos x="hc" y="b"/>
+              </a:cxn>
+              <a:cxn ang="0">
+                <a:pos x="r" y="vc"/>
+              </a:cxn>
+            </a:cxnLst>
+            <a:rect l="l" t="t" r="r" b="b"/>
+            <a:pathLst>
+              <a:path w="4389" h="4998">
+                <a:moveTo>
+                  <a:pt x="813" y="0"/>
+                </a:moveTo>
+                <a:lnTo>
+                  <a:pt x="3687" y="0"/>
+                </a:lnTo>
+                <a:lnTo>
+                  <a:pt x="4389" y="703"/>
+                </a:lnTo>
+                <a:lnTo>
+                  <a:pt x="2250" y="2842"/>
+                </a:lnTo>
+                <a:lnTo>
+                  <a:pt x="110" y="703"/>
+                </a:lnTo>
+                <a:lnTo>
+                  <a:pt x="813" y="0"/>
+                </a:lnTo>
+                <a:close/>
+                <a:moveTo>
+                  <a:pt x="0" y="1074"/>
+                </a:moveTo>
+                <a:lnTo>
+                  <a:pt x="1962" y="3036"/>
+                </a:lnTo>
+                <a:lnTo>
+                  <a:pt x="0" y="4998"/>
+                </a:lnTo>
+                <a:lnTo>
+                  <a:pt x="0" y="1074"/>
+                </a:lnTo>
+                <a:close/>
+              </a:path>
+            </a:pathLst>
+          </a:custGeom>
+          <a:solidFill>
+            <a:srgbClr val="FFF6DB"/>
+          </a:solidFill>
+          <a:ln>
+            <a:noFill/>
+          </a:ln>
+        </p:spPr>
+        <p:style>
+          <a:lnRef idx="2">
+            <a:schemeClr val="accent1">
+              <a:shade val="50000"/>
+            </a:schemeClr>
+          </a:lnRef>
+          <a:fillRef idx="1">
+            <a:schemeClr val="accent1"/>
+          </a:fillRef>
+          <a:effectRef idx="0">
+            <a:schemeClr val="accent1"/>
+          </a:effectRef>
+          <a:fontRef idx="minor">
+            <a:schemeClr val="lt1"/>
+          </a:fontRef>
+        </p:style>
+        <p:txBody>
+          <a:bodyPr wrap="square" rtlCol="0" anchor="ctr">
+            <a:noAutofit/>
+          </a:bodyPr>
+          <a:lstStyle/>
+          <a:p>
+            <a:pPr algn="ctr"/>
+            <a:endParaRPr lang="zh-CN" altLang="en-US">
+              <a:cs typeface="Open Sans" panose="020B0606030504020204" charset="0"/>
+            </a:endParaRPr>
+          </a:p>
+        </p:txBody>
+      </p:sp>
+      <p:sp>
+        <p:nvSpPr>
+          <p:cNvPr id="37" name="菱形 36"/>
+          <p:cNvSpPr/>
+          <p:nvPr/>
+        </p:nvSpPr>
+        <p:spPr>
+          <a:xfrm>
+            <a:off x="431800" y="1075690"/>
+            <a:ext cx="1438275" cy="1438275"/>
+          </a:xfrm>
+          <a:prstGeom prst="diamond">
+            <a:avLst/>
+          </a:prstGeom>
+          <a:solidFill>
+            <a:srgbClr val="92D14F"/>
+          </a:solidFill>
+          <a:ln>
+            <a:noFill/>
+          </a:ln>
+        </p:spPr>
+        <p:style>
+          <a:lnRef idx="2">
+            <a:schemeClr val="accent1">
+              <a:shade val="50000"/>
+            </a:schemeClr>
+          </a:lnRef>
+          <a:fillRef idx="1">
+            <a:schemeClr val="accent1"/>
+          </a:fillRef>
+          <a:effectRef idx="0">
+            <a:schemeClr val="accent1"/>
+          </a:effectRef>
+          <a:fontRef idx="minor">
+            <a:schemeClr val="lt1"/>
+          </a:fontRef>
+        </p:style>
+        <p:txBody>
+          <a:bodyPr rtlCol="0" anchor="ctr"/>
+          <a:lstStyle/>
+          <a:p>
+            <a:pPr algn="ctr"/>
+            <a:endParaRPr lang="zh-CN" altLang="en-US">
+              <a:cs typeface="Open Sans" panose="020B0606030504020204" charset="0"/>
+            </a:endParaRPr>
+          </a:p>
+        </p:txBody>
+      </p:sp>
+      <p:sp>
+        <p:nvSpPr>
+          <p:cNvPr id="41" name="菱形 40"/>
+          <p:cNvSpPr/>
+          <p:nvPr/>
+        </p:nvSpPr>
+        <p:spPr>
+          <a:xfrm>
+            <a:off x="1761490" y="1016000"/>
+            <a:ext cx="474345" cy="474345"/>
+          </a:xfrm>
+          <a:prstGeom prst="diamond">
+            <a:avLst/>
+          </a:prstGeom>
+          <a:solidFill>
+            <a:srgbClr val="C5E6A0"/>
+          </a:solidFill>
+          <a:ln>
+            <a:noFill/>
+          </a:ln>
+        </p:spPr>
+        <p:style>
+          <a:lnRef idx="2">
+            <a:schemeClr val="accent1">
+              <a:shade val="50000"/>
+            </a:schemeClr>
+          </a:lnRef>
+          <a:fillRef idx="1">
+            <a:schemeClr val="accent1"/>
+          </a:fillRef>
+          <a:effectRef idx="0">
+            <a:schemeClr val="accent1"/>
+          </a:effectRef>
+          <a:fontRef idx="minor">
+            <a:schemeClr val="lt1"/>
+          </a:fontRef>
+        </p:style>
+        <p:txBody>
+          <a:bodyPr rtlCol="0" anchor="ctr"/>
+          <a:lstStyle/>
+          <a:p>
+            <a:pPr algn="ctr"/>
+            <a:endParaRPr lang="zh-CN" altLang="en-US">
+              <a:cs typeface="Open Sans" panose="020B0606030504020204" charset="0"/>
+            </a:endParaRPr>
+          </a:p>
+        </p:txBody>
+      </p:sp>
+      <p:sp>
+        <p:nvSpPr>
+          <p:cNvPr id="46" name="矩形 45"/>
+          <p:cNvSpPr/>
+          <p:nvPr/>
+        </p:nvSpPr>
+        <p:spPr>
+          <a:xfrm>
+            <a:off x="2995930" y="4493260"/>
+            <a:ext cx="5867400" cy="135890"/>
+          </a:xfrm>
+          <a:prstGeom prst="rect">
+            <a:avLst/>
+          </a:prstGeom>
+          <a:solidFill>
+            <a:schemeClr val="bg1">
+              <a:lumMod val="95000"/>
+            </a:schemeClr>
+          </a:solidFill>
+          <a:ln>
+            <a:noFill/>
+          </a:ln>
+        </p:spPr>
+        <p:style>
+          <a:lnRef idx="2">
+            <a:schemeClr val="accent1">
+              <a:shade val="50000"/>
+            </a:schemeClr>
+          </a:lnRef>
+          <a:fillRef idx="1">
+            <a:schemeClr val="accent1"/>
+          </a:fillRef>
+          <a:effectRef idx="0">
+            <a:schemeClr val="accent1"/>
+          </a:effectRef>
+          <a:fontRef idx="minor">
+            <a:schemeClr val="lt1"/>
+          </a:fontRef>
+        </p:style>
+        <p:txBody>
+          <a:bodyPr rtlCol="0" anchor="ctr"/>
+          <a:lstStyle/>
+          <a:p>
+            <a:pPr algn="ctr"/>
+            <a:endParaRPr lang="zh-CN" altLang="en-US">
+              <a:cs typeface="Open Sans" panose="020B0606030504020204" charset="0"/>
+            </a:endParaRPr>
+          </a:p>
+        </p:txBody>
+      </p:sp>
+      <p:sp>
+        <p:nvSpPr>
+          <p:cNvPr id="27" name="文本框 26" descr="7b0a20202020227461726765744d6f64756c65223a20226b6f6e6c696e65666f6e7473220a7d0a"/>
+          <p:cNvSpPr txBox="1"/>
+          <p:nvPr/>
+        </p:nvSpPr>
+        <p:spPr>
+          <a:xfrm>
+            <a:off x="1961515" y="2107565"/>
+            <a:ext cx="8268970" cy="1186815"/>
+          </a:xfrm>
+          <a:prstGeom prst="rect">
+            <a:avLst/>
+          </a:prstGeom>
+          <a:noFill/>
+        </p:spPr>
+        <p:txBody>
+          <a:bodyPr wrap="square" rtlCol="0">
+            <a:noAutofit/>
+          </a:bodyPr>
+          <a:lstStyle/>
+          <a:p>
+            <a:pPr lvl="0" algn="ctr">
+              <a:spcBef>
+                <a:spcPts val="0"/>
+              </a:spcBef>
+              <a:spcAft>
+                <a:spcPts val="0"/>
+              </a:spcAft>
+              <a:buClrTx/>
+              <a:buSzTx/>
+              <a:buFontTx/>
+              <a:defRPr/>
+            </a:pPr>
+            <a:r>
+              <a:rPr lang="zh-CN" altLang="en-US" sz="7200" noProof="0" dirty="0">
+                <a:ln>
+                  <a:noFill/>
+                </a:ln>
+                <a:solidFill>
+                  <a:srgbClr val="7BC032"/>
+                </a:solidFill>
+                <a:effectLst/>
+                <a:uLnTx/>
+                <a:uFillTx/>
+                <a:latin typeface="Open Sans ExtraBold" panose="020B0906030804020204" charset="0"/>
+                <a:ea typeface="Open Sans ExtraBold" panose="020B0906030804020204" charset="0"/>
+                <a:cs typeface="Open Sans" panose="020B0606030504020204" charset="0"/>
+                <a:sym typeface="+mn-ea"/>
+              </a:rPr>
+              <a:t>THANK YOU</a:t>
+            </a:r>
+            <a:endParaRPr lang="zh-CN" altLang="en-US" sz="7200" noProof="0" dirty="0">
+              <a:ln>
+                <a:noFill/>
+              </a:ln>
+              <a:solidFill>
+                <a:srgbClr val="7BC032"/>
+              </a:solidFill>
+              <a:effectLst/>
+              <a:uLnTx/>
+              <a:uFillTx/>
+              <a:latin typeface="Open Sans ExtraBold" panose="020B0906030804020204" charset="0"/>
+              <a:ea typeface="Open Sans ExtraBold" panose="020B0906030804020204" charset="0"/>
+              <a:cs typeface="Open Sans" panose="020B0606030504020204" charset="0"/>
+              <a:sym typeface="+mn-ea"/>
+            </a:endParaRPr>
+          </a:p>
+        </p:txBody>
+      </p:sp>
+      <p:sp>
+        <p:nvSpPr>
+          <p:cNvPr id="44" name="菱形 43"/>
+          <p:cNvSpPr/>
+          <p:nvPr/>
+        </p:nvSpPr>
+        <p:spPr>
+          <a:xfrm>
+            <a:off x="1810385" y="1908175"/>
+            <a:ext cx="346710" cy="346710"/>
+          </a:xfrm>
+          <a:prstGeom prst="diamond">
+            <a:avLst/>
+          </a:prstGeom>
+          <a:solidFill>
+            <a:srgbClr val="FFD04F"/>
+          </a:solidFill>
+          <a:ln>
+            <a:noFill/>
+          </a:ln>
+        </p:spPr>
+        <p:style>
+          <a:lnRef idx="2">
+            <a:schemeClr val="accent1">
+              <a:shade val="50000"/>
+            </a:schemeClr>
+          </a:lnRef>
+          <a:fillRef idx="1">
+            <a:schemeClr val="accent1"/>
+          </a:fillRef>
+          <a:effectRef idx="0">
+            <a:schemeClr val="accent1"/>
+          </a:effectRef>
+          <a:fontRef idx="minor">
+            <a:schemeClr val="lt1"/>
+          </a:fontRef>
+        </p:style>
+        <p:txBody>
+          <a:bodyPr rtlCol="0" anchor="ctr"/>
+          <a:lstStyle/>
+          <a:p>
+            <a:pPr algn="ctr"/>
+            <a:endParaRPr lang="zh-CN" altLang="en-US">
+              <a:cs typeface="Open Sans" panose="020B0606030504020204" charset="0"/>
+            </a:endParaRPr>
+          </a:p>
+        </p:txBody>
+      </p:sp>
+      <p:grpSp>
+        <p:nvGrpSpPr>
+          <p:cNvPr id="2" name="组合 1"/>
+          <p:cNvGrpSpPr/>
+          <p:nvPr/>
+        </p:nvGrpSpPr>
+        <p:grpSpPr>
+          <a:xfrm>
+            <a:off x="10407015" y="5088890"/>
+            <a:ext cx="1787525" cy="1859280"/>
+            <a:chOff x="16377" y="8014"/>
+            <a:chExt cx="2815" cy="2928"/>
+          </a:xfrm>
+        </p:grpSpPr>
+        <p:sp>
+          <p:nvSpPr>
+            <p:cNvPr id="34" name="任意多边形 33"/>
+            <p:cNvSpPr/>
+            <p:nvPr/>
+          </p:nvSpPr>
+          <p:spPr>
+            <a:xfrm>
+              <a:off x="17662" y="8014"/>
+              <a:ext cx="1530" cy="2928"/>
+            </a:xfrm>
+            <a:custGeom>
+              <a:avLst/>
+              <a:gdLst>
+                <a:gd name="ir" fmla="*/ w 3 4"/>
+                <a:gd name="ib" fmla="*/ h 3 4"/>
+              </a:gdLst>
+              <a:ahLst/>
+              <a:cxnLst>
+                <a:cxn ang="3">
+                  <a:pos x="hc" y="t"/>
+                </a:cxn>
+                <a:cxn ang="cd2">
+                  <a:pos x="l" y="vc"/>
+                </a:cxn>
+                <a:cxn ang="cd4">
+                  <a:pos x="hc" y="b"/>
+                </a:cxn>
+                <a:cxn ang="0">
+                  <a:pos x="r" y="vc"/>
+                </a:cxn>
+              </a:cxnLst>
+              <a:rect l="l" t="t" r="r" b="b"/>
+              <a:pathLst>
+                <a:path w="1530" h="2928">
+                  <a:moveTo>
+                    <a:pt x="1464" y="0"/>
+                  </a:moveTo>
+                  <a:lnTo>
+                    <a:pt x="1530" y="66"/>
+                  </a:lnTo>
+                  <a:lnTo>
+                    <a:pt x="1530" y="2862"/>
+                  </a:lnTo>
+                  <a:lnTo>
+                    <a:pt x="1464" y="2928"/>
+                  </a:lnTo>
+                  <a:lnTo>
+                    <a:pt x="0" y="1464"/>
+                  </a:lnTo>
+                  <a:lnTo>
+                    <a:pt x="1464" y="0"/>
+                  </a:lnTo>
+                  <a:close/>
+                </a:path>
+              </a:pathLst>
+            </a:custGeom>
+            <a:solidFill>
+              <a:srgbClr val="C5E6A0"/>
+            </a:solidFill>
+            <a:ln>
+              <a:noFill/>
+            </a:ln>
+          </p:spPr>
+          <p:style>
+            <a:lnRef idx="2">
+              <a:schemeClr val="accent1">
+                <a:shade val="50000"/>
+              </a:schemeClr>
+            </a:lnRef>
+            <a:fillRef idx="1">
+              <a:schemeClr val="accent1"/>
+            </a:fillRef>
+            <a:effectRef idx="0">
+              <a:schemeClr val="accent1"/>
+            </a:effectRef>
+            <a:fontRef idx="minor">
+              <a:schemeClr val="lt1"/>
+            </a:fontRef>
+          </p:style>
+          <p:txBody>
+            <a:bodyPr wrap="square" rtlCol="0" anchor="ctr">
+              <a:noAutofit/>
+            </a:bodyPr>
+            <a:lstStyle/>
+            <a:p>
+              <a:pPr algn="ctr"/>
+              <a:endParaRPr lang="zh-CN" altLang="en-US">
+                <a:cs typeface="Open Sans" panose="020B0606030504020204" charset="0"/>
+              </a:endParaRPr>
+            </a:p>
+          </p:txBody>
+        </p:sp>
+        <p:sp>
+          <p:nvSpPr>
+            <p:cNvPr id="35" name="任意多边形 34"/>
+            <p:cNvSpPr/>
+            <p:nvPr/>
+          </p:nvSpPr>
+          <p:spPr>
+            <a:xfrm>
+              <a:off x="16377" y="9739"/>
+              <a:ext cx="2230" cy="1115"/>
+            </a:xfrm>
+            <a:custGeom>
+              <a:avLst/>
+              <a:gdLst>
+                <a:gd name="ir" fmla="*/ w 3 4"/>
+                <a:gd name="ib" fmla="*/ h 3 4"/>
+              </a:gdLst>
+              <a:ahLst/>
+              <a:cxnLst>
+                <a:cxn ang="3">
+                  <a:pos x="hc" y="t"/>
+                </a:cxn>
+                <a:cxn ang="cd2">
+                  <a:pos x="l" y="vc"/>
+                </a:cxn>
+                <a:cxn ang="cd4">
+                  <a:pos x="hc" y="b"/>
+                </a:cxn>
+                <a:cxn ang="0">
+                  <a:pos x="r" y="vc"/>
+                </a:cxn>
+              </a:cxnLst>
+              <a:rect l="l" t="t" r="r" b="b"/>
+              <a:pathLst>
+                <a:path w="2230" h="1115">
+                  <a:moveTo>
+                    <a:pt x="1115" y="0"/>
+                  </a:moveTo>
+                  <a:lnTo>
+                    <a:pt x="2230" y="1115"/>
+                  </a:lnTo>
+                  <a:lnTo>
+                    <a:pt x="0" y="1115"/>
+                  </a:lnTo>
+                  <a:lnTo>
+                    <a:pt x="1115" y="0"/>
+                  </a:lnTo>
+                  <a:close/>
+                </a:path>
+              </a:pathLst>
+            </a:custGeom>
+            <a:solidFill>
+              <a:srgbClr val="FFF6DB"/>
+            </a:solidFill>
+            <a:ln>
+              <a:noFill/>
+            </a:ln>
+          </p:spPr>
+          <p:style>
+            <a:lnRef idx="2">
+              <a:schemeClr val="accent1">
+                <a:shade val="50000"/>
+              </a:schemeClr>
+            </a:lnRef>
+            <a:fillRef idx="1">
+              <a:schemeClr val="accent1"/>
+            </a:fillRef>
+            <a:effectRef idx="0">
+              <a:schemeClr val="accent1"/>
+            </a:effectRef>
+            <a:fontRef idx="minor">
+              <a:schemeClr val="lt1"/>
+            </a:fontRef>
+          </p:style>
+          <p:txBody>
+            <a:bodyPr wrap="square" rtlCol="0" anchor="ctr">
+              <a:noAutofit/>
+            </a:bodyPr>
+            <a:lstStyle/>
+            <a:p>
+              <a:pPr algn="ctr"/>
+              <a:endParaRPr lang="zh-CN" altLang="en-US">
+                <a:cs typeface="Open Sans" panose="020B0606030504020204" charset="0"/>
+              </a:endParaRPr>
+            </a:p>
+          </p:txBody>
+        </p:sp>
+        <p:sp>
+          <p:nvSpPr>
+            <p:cNvPr id="59" name="菱形 58"/>
+            <p:cNvSpPr/>
+            <p:nvPr/>
+          </p:nvSpPr>
+          <p:spPr>
+            <a:xfrm>
+              <a:off x="17308" y="9028"/>
+              <a:ext cx="785" cy="785"/>
+            </a:xfrm>
+            <a:prstGeom prst="diamond">
+              <a:avLst/>
+            </a:prstGeom>
+            <a:solidFill>
+              <a:srgbClr val="FFD04F"/>
+            </a:solidFill>
+            <a:ln>
+              <a:noFill/>
+            </a:ln>
+          </p:spPr>
+          <p:style>
+            <a:lnRef idx="2">
+              <a:schemeClr val="accent1">
+                <a:shade val="50000"/>
+              </a:schemeClr>
+            </a:lnRef>
+            <a:fillRef idx="1">
+              <a:schemeClr val="accent1"/>
+            </a:fillRef>
+            <a:effectRef idx="0">
+              <a:schemeClr val="accent1"/>
+            </a:effectRef>
+            <a:fontRef idx="minor">
+              <a:schemeClr val="lt1"/>
+            </a:fontRef>
+          </p:style>
+          <p:txBody>
+            <a:bodyPr rtlCol="0" anchor="ctr"/>
+            <a:lstStyle/>
+            <a:p>
+              <a:pPr algn="ctr"/>
+              <a:endParaRPr lang="zh-CN" altLang="en-US">
+                <a:cs typeface="Open Sans" panose="020B0606030504020204" charset="0"/>
+              </a:endParaRPr>
+            </a:p>
+          </p:txBody>
+        </p:sp>
+      </p:grpSp>
     </p:spTree>
   </p:cSld>
   <p:clrMapOvr>
